--- a/ClassMaterials/ProjectKickoff/ProjectKickoff.pptx
+++ b/ClassMaterials/ProjectKickoff/ProjectKickoff.pptx
@@ -1,32 +1,55 @@
 
 <file path=ppt/presentation.xml><?xml version="1.0" encoding="utf-8"?>
-<p:presentation xmlns:a="http://schemas.openxmlformats.org/drawingml/2006/main" xmlns:r="http://schemas.openxmlformats.org/officeDocument/2006/relationships" xmlns:p="http://schemas.openxmlformats.org/presentationml/2006/main" saveSubsetFonts="1">
+<p:presentation xmlns:a="http://schemas.openxmlformats.org/drawingml/2006/main" xmlns:r="http://schemas.openxmlformats.org/officeDocument/2006/relationships" xmlns:p="http://schemas.openxmlformats.org/presentationml/2006/main" embedTrueTypeFonts="1" saveSubsetFonts="1">
   <p:sldMasterIdLst>
     <p:sldMasterId id="2147483687" r:id="rId1"/>
   </p:sldMasterIdLst>
   <p:notesMasterIdLst>
-    <p:notesMasterId r:id="rId18"/>
+    <p:notesMasterId r:id="rId13"/>
   </p:notesMasterIdLst>
   <p:sldIdLst>
     <p:sldId id="256" r:id="rId2"/>
-    <p:sldId id="257" r:id="rId3"/>
-    <p:sldId id="273" r:id="rId4"/>
-    <p:sldId id="259" r:id="rId5"/>
-    <p:sldId id="262" r:id="rId6"/>
-    <p:sldId id="263" r:id="rId7"/>
-    <p:sldId id="264" r:id="rId8"/>
-    <p:sldId id="265" r:id="rId9"/>
-    <p:sldId id="266" r:id="rId10"/>
-    <p:sldId id="274" r:id="rId11"/>
-    <p:sldId id="267" r:id="rId12"/>
-    <p:sldId id="268" r:id="rId13"/>
-    <p:sldId id="269" r:id="rId14"/>
-    <p:sldId id="270" r:id="rId15"/>
-    <p:sldId id="271" r:id="rId16"/>
-    <p:sldId id="272" r:id="rId17"/>
+    <p:sldId id="276" r:id="rId3"/>
+    <p:sldId id="275" r:id="rId4"/>
+    <p:sldId id="257" r:id="rId5"/>
+    <p:sldId id="259" r:id="rId6"/>
+    <p:sldId id="262" r:id="rId7"/>
+    <p:sldId id="263" r:id="rId8"/>
+    <p:sldId id="264" r:id="rId9"/>
+    <p:sldId id="265" r:id="rId10"/>
+    <p:sldId id="266" r:id="rId11"/>
+    <p:sldId id="274" r:id="rId12"/>
   </p:sldIdLst>
   <p:sldSz cx="9144000" cy="6858000" type="screen4x3"/>
   <p:notesSz cx="7023100" cy="9309100"/>
+  <p:embeddedFontLst>
+    <p:embeddedFont>
+      <p:font typeface="Calibri" panose="020F0502020204030204" pitchFamily="34" charset="0"/>
+      <p:regular r:id="rId14"/>
+      <p:bold r:id="rId15"/>
+      <p:italic r:id="rId16"/>
+      <p:boldItalic r:id="rId17"/>
+    </p:embeddedFont>
+    <p:embeddedFont>
+      <p:font typeface="Calibri Light" panose="020F0302020204030204" pitchFamily="34" charset="0"/>
+      <p:regular r:id="rId18"/>
+      <p:italic r:id="rId19"/>
+    </p:embeddedFont>
+    <p:embeddedFont>
+      <p:font typeface="Constantia" panose="02030602050306030303" pitchFamily="18" charset="0"/>
+      <p:regular r:id="rId20"/>
+      <p:bold r:id="rId21"/>
+      <p:italic r:id="rId22"/>
+      <p:boldItalic r:id="rId23"/>
+    </p:embeddedFont>
+    <p:embeddedFont>
+      <p:font typeface="Verdana" panose="020B0604030504040204" pitchFamily="34" charset="0"/>
+      <p:regular r:id="rId24"/>
+      <p:bold r:id="rId25"/>
+      <p:italic r:id="rId26"/>
+      <p:boldItalic r:id="rId27"/>
+    </p:embeddedFont>
+  </p:embeddedFontLst>
   <p:defaultTextStyle>
     <a:defPPr>
       <a:defRPr lang="en-US"/>
@@ -130,376 +153,12 @@
 </p:presentation>
 </file>
 
-<file path=ppt/changesInfos/changesInfo1.xml><?xml version="1.0" encoding="utf-8"?>
-<pc:chgInfo xmlns:a="http://schemas.openxmlformats.org/drawingml/2006/main" xmlns:r="http://schemas.openxmlformats.org/officeDocument/2006/relationships" xmlns:ac="http://schemas.microsoft.com/office/drawing/2013/main/command" xmlns:pc="http://schemas.microsoft.com/office/powerpoint/2013/main/command">
-  <pc:docChgLst>
-    <pc:chgData name="Hewner, Michael P" userId="S::hewner@rose-hulman.edu::7f3f83dd-6dfb-4127-a87f-c1714bd4fac9" providerId="AD" clId="Web-{B29B2858-C88F-F0BA-3A09-C1286D28CF9E}"/>
-    <pc:docChg chg="addSld delSld modSld sldOrd">
-      <pc:chgData name="Hewner, Michael P" userId="S::hewner@rose-hulman.edu::7f3f83dd-6dfb-4127-a87f-c1714bd4fac9" providerId="AD" clId="Web-{B29B2858-C88F-F0BA-3A09-C1286D28CF9E}" dt="2018-12-19T19:21:47.611" v="537" actId="20577"/>
-      <pc:docMkLst>
-        <pc:docMk/>
-      </pc:docMkLst>
-      <pc:sldChg chg="modSp ord">
-        <pc:chgData name="Hewner, Michael P" userId="S::hewner@rose-hulman.edu::7f3f83dd-6dfb-4127-a87f-c1714bd4fac9" providerId="AD" clId="Web-{B29B2858-C88F-F0BA-3A09-C1286D28CF9E}" dt="2018-12-19T18:49:09.225" v="129" actId="20577"/>
-        <pc:sldMkLst>
-          <pc:docMk/>
-          <pc:sldMk cId="0" sldId="257"/>
-        </pc:sldMkLst>
-        <pc:spChg chg="mod">
-          <ac:chgData name="Hewner, Michael P" userId="S::hewner@rose-hulman.edu::7f3f83dd-6dfb-4127-a87f-c1714bd4fac9" providerId="AD" clId="Web-{B29B2858-C88F-F0BA-3A09-C1286D28CF9E}" dt="2018-12-19T18:38:50.616" v="0" actId="20577"/>
-          <ac:spMkLst>
-            <pc:docMk/>
-            <pc:sldMk cId="0" sldId="257"/>
-            <ac:spMk id="114" creationId="{00000000-0000-0000-0000-000000000000}"/>
-          </ac:spMkLst>
-        </pc:spChg>
-        <pc:spChg chg="mod">
-          <ac:chgData name="Hewner, Michael P" userId="S::hewner@rose-hulman.edu::7f3f83dd-6dfb-4127-a87f-c1714bd4fac9" providerId="AD" clId="Web-{B29B2858-C88F-F0BA-3A09-C1286D28CF9E}" dt="2018-12-19T18:49:09.225" v="129" actId="20577"/>
-          <ac:spMkLst>
-            <pc:docMk/>
-            <pc:sldMk cId="0" sldId="257"/>
-            <ac:spMk id="115" creationId="{00000000-0000-0000-0000-000000000000}"/>
-          </ac:spMkLst>
-        </pc:spChg>
-      </pc:sldChg>
-      <pc:sldChg chg="del">
-        <pc:chgData name="Hewner, Michael P" userId="S::hewner@rose-hulman.edu::7f3f83dd-6dfb-4127-a87f-c1714bd4fac9" providerId="AD" clId="Web-{B29B2858-C88F-F0BA-3A09-C1286D28CF9E}" dt="2018-12-19T18:39:10.179" v="2"/>
-        <pc:sldMkLst>
-          <pc:docMk/>
-          <pc:sldMk cId="0" sldId="258"/>
-        </pc:sldMkLst>
-      </pc:sldChg>
-      <pc:sldChg chg="modSp">
-        <pc:chgData name="Hewner, Michael P" userId="S::hewner@rose-hulman.edu::7f3f83dd-6dfb-4127-a87f-c1714bd4fac9" providerId="AD" clId="Web-{B29B2858-C88F-F0BA-3A09-C1286D28CF9E}" dt="2018-12-19T18:39:28.710" v="4" actId="20577"/>
-        <pc:sldMkLst>
-          <pc:docMk/>
-          <pc:sldMk cId="0" sldId="259"/>
-        </pc:sldMkLst>
-        <pc:spChg chg="mod">
-          <ac:chgData name="Hewner, Michael P" userId="S::hewner@rose-hulman.edu::7f3f83dd-6dfb-4127-a87f-c1714bd4fac9" providerId="AD" clId="Web-{B29B2858-C88F-F0BA-3A09-C1286D28CF9E}" dt="2018-12-19T18:39:20.757" v="3" actId="20577"/>
-          <ac:spMkLst>
-            <pc:docMk/>
-            <pc:sldMk cId="0" sldId="259"/>
-            <ac:spMk id="119" creationId="{00000000-0000-0000-0000-000000000000}"/>
-          </ac:spMkLst>
-        </pc:spChg>
-        <pc:spChg chg="mod">
-          <ac:chgData name="Hewner, Michael P" userId="S::hewner@rose-hulman.edu::7f3f83dd-6dfb-4127-a87f-c1714bd4fac9" providerId="AD" clId="Web-{B29B2858-C88F-F0BA-3A09-C1286D28CF9E}" dt="2018-12-19T18:39:28.710" v="4" actId="20577"/>
-          <ac:spMkLst>
-            <pc:docMk/>
-            <pc:sldMk cId="0" sldId="259"/>
-            <ac:spMk id="120" creationId="{00000000-0000-0000-0000-000000000000}"/>
-          </ac:spMkLst>
-        </pc:spChg>
-      </pc:sldChg>
-      <pc:sldChg chg="del">
-        <pc:chgData name="Hewner, Michael P" userId="S::hewner@rose-hulman.edu::7f3f83dd-6dfb-4127-a87f-c1714bd4fac9" providerId="AD" clId="Web-{B29B2858-C88F-F0BA-3A09-C1286D28CF9E}" dt="2018-12-19T18:39:52.007" v="6"/>
-        <pc:sldMkLst>
-          <pc:docMk/>
-          <pc:sldMk cId="0" sldId="260"/>
-        </pc:sldMkLst>
-      </pc:sldChg>
-      <pc:sldChg chg="del">
-        <pc:chgData name="Hewner, Michael P" userId="S::hewner@rose-hulman.edu::7f3f83dd-6dfb-4127-a87f-c1714bd4fac9" providerId="AD" clId="Web-{B29B2858-C88F-F0BA-3A09-C1286D28CF9E}" dt="2018-12-19T18:39:52.007" v="5"/>
-        <pc:sldMkLst>
-          <pc:docMk/>
-          <pc:sldMk cId="0" sldId="261"/>
-        </pc:sldMkLst>
-      </pc:sldChg>
-      <pc:sldChg chg="modSp">
-        <pc:chgData name="Hewner, Michael P" userId="S::hewner@rose-hulman.edu::7f3f83dd-6dfb-4127-a87f-c1714bd4fac9" providerId="AD" clId="Web-{B29B2858-C88F-F0BA-3A09-C1286D28CF9E}" dt="2018-12-19T18:40:09.116" v="9" actId="20577"/>
-        <pc:sldMkLst>
-          <pc:docMk/>
-          <pc:sldMk cId="0" sldId="262"/>
-        </pc:sldMkLst>
-        <pc:spChg chg="mod">
-          <ac:chgData name="Hewner, Michael P" userId="S::hewner@rose-hulman.edu::7f3f83dd-6dfb-4127-a87f-c1714bd4fac9" providerId="AD" clId="Web-{B29B2858-C88F-F0BA-3A09-C1286D28CF9E}" dt="2018-12-19T18:40:04.444" v="8" actId="20577"/>
-          <ac:spMkLst>
-            <pc:docMk/>
-            <pc:sldMk cId="0" sldId="262"/>
-            <ac:spMk id="127" creationId="{00000000-0000-0000-0000-000000000000}"/>
-          </ac:spMkLst>
-        </pc:spChg>
-        <pc:spChg chg="mod">
-          <ac:chgData name="Hewner, Michael P" userId="S::hewner@rose-hulman.edu::7f3f83dd-6dfb-4127-a87f-c1714bd4fac9" providerId="AD" clId="Web-{B29B2858-C88F-F0BA-3A09-C1286D28CF9E}" dt="2018-12-19T18:40:09.116" v="9" actId="20577"/>
-          <ac:spMkLst>
-            <pc:docMk/>
-            <pc:sldMk cId="0" sldId="262"/>
-            <ac:spMk id="128" creationId="{00000000-0000-0000-0000-000000000000}"/>
-          </ac:spMkLst>
-        </pc:spChg>
-      </pc:sldChg>
-      <pc:sldChg chg="modSp">
-        <pc:chgData name="Hewner, Michael P" userId="S::hewner@rose-hulman.edu::7f3f83dd-6dfb-4127-a87f-c1714bd4fac9" providerId="AD" clId="Web-{B29B2858-C88F-F0BA-3A09-C1286D28CF9E}" dt="2018-12-19T18:40:54.444" v="11" actId="20577"/>
-        <pc:sldMkLst>
-          <pc:docMk/>
-          <pc:sldMk cId="0" sldId="263"/>
-        </pc:sldMkLst>
-        <pc:spChg chg="mod">
-          <ac:chgData name="Hewner, Michael P" userId="S::hewner@rose-hulman.edu::7f3f83dd-6dfb-4127-a87f-c1714bd4fac9" providerId="AD" clId="Web-{B29B2858-C88F-F0BA-3A09-C1286D28CF9E}" dt="2018-12-19T18:40:54.444" v="11" actId="20577"/>
-          <ac:spMkLst>
-            <pc:docMk/>
-            <pc:sldMk cId="0" sldId="263"/>
-            <ac:spMk id="129" creationId="{00000000-0000-0000-0000-000000000000}"/>
-          </ac:spMkLst>
-        </pc:spChg>
-        <pc:spChg chg="mod">
-          <ac:chgData name="Hewner, Michael P" userId="S::hewner@rose-hulman.edu::7f3f83dd-6dfb-4127-a87f-c1714bd4fac9" providerId="AD" clId="Web-{B29B2858-C88F-F0BA-3A09-C1286D28CF9E}" dt="2018-12-19T18:40:48.460" v="10" actId="20577"/>
-          <ac:spMkLst>
-            <pc:docMk/>
-            <pc:sldMk cId="0" sldId="263"/>
-            <ac:spMk id="130" creationId="{00000000-0000-0000-0000-000000000000}"/>
-          </ac:spMkLst>
-        </pc:spChg>
-      </pc:sldChg>
-      <pc:sldChg chg="modSp">
-        <pc:chgData name="Hewner, Michael P" userId="S::hewner@rose-hulman.edu::7f3f83dd-6dfb-4127-a87f-c1714bd4fac9" providerId="AD" clId="Web-{B29B2858-C88F-F0BA-3A09-C1286D28CF9E}" dt="2018-12-19T18:41:12.710" v="15" actId="20577"/>
-        <pc:sldMkLst>
-          <pc:docMk/>
-          <pc:sldMk cId="0" sldId="264"/>
-        </pc:sldMkLst>
-        <pc:spChg chg="mod">
-          <ac:chgData name="Hewner, Michael P" userId="S::hewner@rose-hulman.edu::7f3f83dd-6dfb-4127-a87f-c1714bd4fac9" providerId="AD" clId="Web-{B29B2858-C88F-F0BA-3A09-C1286D28CF9E}" dt="2018-12-19T18:41:12.710" v="15" actId="20577"/>
-          <ac:spMkLst>
-            <pc:docMk/>
-            <pc:sldMk cId="0" sldId="264"/>
-            <ac:spMk id="131" creationId="{00000000-0000-0000-0000-000000000000}"/>
-          </ac:spMkLst>
-        </pc:spChg>
-        <pc:spChg chg="mod">
-          <ac:chgData name="Hewner, Michael P" userId="S::hewner@rose-hulman.edu::7f3f83dd-6dfb-4127-a87f-c1714bd4fac9" providerId="AD" clId="Web-{B29B2858-C88F-F0BA-3A09-C1286D28CF9E}" dt="2018-12-19T18:41:06.882" v="14" actId="20577"/>
-          <ac:spMkLst>
-            <pc:docMk/>
-            <pc:sldMk cId="0" sldId="264"/>
-            <ac:spMk id="132" creationId="{00000000-0000-0000-0000-000000000000}"/>
-          </ac:spMkLst>
-        </pc:spChg>
-      </pc:sldChg>
-      <pc:sldChg chg="modSp">
-        <pc:chgData name="Hewner, Michael P" userId="S::hewner@rose-hulman.edu::7f3f83dd-6dfb-4127-a87f-c1714bd4fac9" providerId="AD" clId="Web-{B29B2858-C88F-F0BA-3A09-C1286D28CF9E}" dt="2018-12-19T18:41:47.444" v="17" actId="20577"/>
-        <pc:sldMkLst>
-          <pc:docMk/>
-          <pc:sldMk cId="0" sldId="266"/>
-        </pc:sldMkLst>
-        <pc:spChg chg="mod">
-          <ac:chgData name="Hewner, Michael P" userId="S::hewner@rose-hulman.edu::7f3f83dd-6dfb-4127-a87f-c1714bd4fac9" providerId="AD" clId="Web-{B29B2858-C88F-F0BA-3A09-C1286D28CF9E}" dt="2018-12-19T18:41:47.444" v="17" actId="20577"/>
-          <ac:spMkLst>
-            <pc:docMk/>
-            <pc:sldMk cId="0" sldId="266"/>
-            <ac:spMk id="134" creationId="{00000000-0000-0000-0000-000000000000}"/>
-          </ac:spMkLst>
-        </pc:spChg>
-        <pc:spChg chg="mod">
-          <ac:chgData name="Hewner, Michael P" userId="S::hewner@rose-hulman.edu::7f3f83dd-6dfb-4127-a87f-c1714bd4fac9" providerId="AD" clId="Web-{B29B2858-C88F-F0BA-3A09-C1286D28CF9E}" dt="2018-12-19T18:41:42.710" v="16" actId="20577"/>
-          <ac:spMkLst>
-            <pc:docMk/>
-            <pc:sldMk cId="0" sldId="266"/>
-            <ac:spMk id="135" creationId="{00000000-0000-0000-0000-000000000000}"/>
-          </ac:spMkLst>
-        </pc:spChg>
-      </pc:sldChg>
-      <pc:sldChg chg="modSp">
-        <pc:chgData name="Hewner, Michael P" userId="S::hewner@rose-hulman.edu::7f3f83dd-6dfb-4127-a87f-c1714bd4fac9" providerId="AD" clId="Web-{B29B2858-C88F-F0BA-3A09-C1286D28CF9E}" dt="2018-12-19T18:42:18.053" v="21" actId="20577"/>
-        <pc:sldMkLst>
-          <pc:docMk/>
-          <pc:sldMk cId="0" sldId="267"/>
-        </pc:sldMkLst>
-        <pc:spChg chg="mod">
-          <ac:chgData name="Hewner, Michael P" userId="S::hewner@rose-hulman.edu::7f3f83dd-6dfb-4127-a87f-c1714bd4fac9" providerId="AD" clId="Web-{B29B2858-C88F-F0BA-3A09-C1286D28CF9E}" dt="2018-12-19T18:42:11.350" v="19" actId="20577"/>
-          <ac:spMkLst>
-            <pc:docMk/>
-            <pc:sldMk cId="0" sldId="267"/>
-            <ac:spMk id="136" creationId="{00000000-0000-0000-0000-000000000000}"/>
-          </ac:spMkLst>
-        </pc:spChg>
-        <pc:spChg chg="mod">
-          <ac:chgData name="Hewner, Michael P" userId="S::hewner@rose-hulman.edu::7f3f83dd-6dfb-4127-a87f-c1714bd4fac9" providerId="AD" clId="Web-{B29B2858-C88F-F0BA-3A09-C1286D28CF9E}" dt="2018-12-19T18:42:18.053" v="21" actId="20577"/>
-          <ac:spMkLst>
-            <pc:docMk/>
-            <pc:sldMk cId="0" sldId="267"/>
-            <ac:spMk id="137" creationId="{00000000-0000-0000-0000-000000000000}"/>
-          </ac:spMkLst>
-        </pc:spChg>
-      </pc:sldChg>
-      <pc:sldChg chg="modSp">
-        <pc:chgData name="Hewner, Michael P" userId="S::hewner@rose-hulman.edu::7f3f83dd-6dfb-4127-a87f-c1714bd4fac9" providerId="AD" clId="Web-{B29B2858-C88F-F0BA-3A09-C1286D28CF9E}" dt="2018-12-19T19:12:43.060" v="331" actId="20577"/>
-        <pc:sldMkLst>
-          <pc:docMk/>
-          <pc:sldMk cId="0" sldId="268"/>
-        </pc:sldMkLst>
-        <pc:spChg chg="mod">
-          <ac:chgData name="Hewner, Michael P" userId="S::hewner@rose-hulman.edu::7f3f83dd-6dfb-4127-a87f-c1714bd4fac9" providerId="AD" clId="Web-{B29B2858-C88F-F0BA-3A09-C1286D28CF9E}" dt="2018-12-19T19:11:48.793" v="297" actId="20577"/>
-          <ac:spMkLst>
-            <pc:docMk/>
-            <pc:sldMk cId="0" sldId="268"/>
-            <ac:spMk id="138" creationId="{00000000-0000-0000-0000-000000000000}"/>
-          </ac:spMkLst>
-        </pc:spChg>
-        <pc:spChg chg="mod">
-          <ac:chgData name="Hewner, Michael P" userId="S::hewner@rose-hulman.edu::7f3f83dd-6dfb-4127-a87f-c1714bd4fac9" providerId="AD" clId="Web-{B29B2858-C88F-F0BA-3A09-C1286D28CF9E}" dt="2018-12-19T19:12:43.060" v="331" actId="20577"/>
-          <ac:spMkLst>
-            <pc:docMk/>
-            <pc:sldMk cId="0" sldId="268"/>
-            <ac:spMk id="139" creationId="{00000000-0000-0000-0000-000000000000}"/>
-          </ac:spMkLst>
-        </pc:spChg>
-      </pc:sldChg>
-      <pc:sldChg chg="modSp">
-        <pc:chgData name="Hewner, Michael P" userId="S::hewner@rose-hulman.edu::7f3f83dd-6dfb-4127-a87f-c1714bd4fac9" providerId="AD" clId="Web-{B29B2858-C88F-F0BA-3A09-C1286D28CF9E}" dt="2018-12-19T19:15:14.362" v="388" actId="20577"/>
-        <pc:sldMkLst>
-          <pc:docMk/>
-          <pc:sldMk cId="0" sldId="269"/>
-        </pc:sldMkLst>
-        <pc:spChg chg="mod">
-          <ac:chgData name="Hewner, Michael P" userId="S::hewner@rose-hulman.edu::7f3f83dd-6dfb-4127-a87f-c1714bd4fac9" providerId="AD" clId="Web-{B29B2858-C88F-F0BA-3A09-C1286D28CF9E}" dt="2018-12-19T19:15:14.362" v="388" actId="20577"/>
-          <ac:spMkLst>
-            <pc:docMk/>
-            <pc:sldMk cId="0" sldId="269"/>
-            <ac:spMk id="140" creationId="{00000000-0000-0000-0000-000000000000}"/>
-          </ac:spMkLst>
-        </pc:spChg>
-        <pc:spChg chg="mod">
-          <ac:chgData name="Hewner, Michael P" userId="S::hewner@rose-hulman.edu::7f3f83dd-6dfb-4127-a87f-c1714bd4fac9" providerId="AD" clId="Web-{B29B2858-C88F-F0BA-3A09-C1286D28CF9E}" dt="2018-12-19T19:14:21.767" v="371" actId="20577"/>
-          <ac:spMkLst>
-            <pc:docMk/>
-            <pc:sldMk cId="0" sldId="269"/>
-            <ac:spMk id="141" creationId="{00000000-0000-0000-0000-000000000000}"/>
-          </ac:spMkLst>
-        </pc:spChg>
-      </pc:sldChg>
-      <pc:sldChg chg="modSp">
-        <pc:chgData name="Hewner, Michael P" userId="S::hewner@rose-hulman.edu::7f3f83dd-6dfb-4127-a87f-c1714bd4fac9" providerId="AD" clId="Web-{B29B2858-C88F-F0BA-3A09-C1286D28CF9E}" dt="2018-12-19T19:15:21.363" v="390" actId="20577"/>
-        <pc:sldMkLst>
-          <pc:docMk/>
-          <pc:sldMk cId="0" sldId="270"/>
-        </pc:sldMkLst>
-        <pc:spChg chg="mod">
-          <ac:chgData name="Hewner, Michael P" userId="S::hewner@rose-hulman.edu::7f3f83dd-6dfb-4127-a87f-c1714bd4fac9" providerId="AD" clId="Web-{B29B2858-C88F-F0BA-3A09-C1286D28CF9E}" dt="2018-12-19T19:15:21.363" v="390" actId="20577"/>
-          <ac:spMkLst>
-            <pc:docMk/>
-            <pc:sldMk cId="0" sldId="270"/>
-            <ac:spMk id="142" creationId="{00000000-0000-0000-0000-000000000000}"/>
-          </ac:spMkLst>
-        </pc:spChg>
-        <pc:spChg chg="mod">
-          <ac:chgData name="Hewner, Michael P" userId="S::hewner@rose-hulman.edu::7f3f83dd-6dfb-4127-a87f-c1714bd4fac9" providerId="AD" clId="Web-{B29B2858-C88F-F0BA-3A09-C1286D28CF9E}" dt="2018-12-19T18:43:31.803" v="28" actId="20577"/>
-          <ac:spMkLst>
-            <pc:docMk/>
-            <pc:sldMk cId="0" sldId="270"/>
-            <ac:spMk id="143" creationId="{00000000-0000-0000-0000-000000000000}"/>
-          </ac:spMkLst>
-        </pc:spChg>
-      </pc:sldChg>
-      <pc:sldChg chg="modSp">
-        <pc:chgData name="Hewner, Michael P" userId="S::hewner@rose-hulman.edu::7f3f83dd-6dfb-4127-a87f-c1714bd4fac9" providerId="AD" clId="Web-{B29B2858-C88F-F0BA-3A09-C1286D28CF9E}" dt="2018-12-19T19:15:27.754" v="392" actId="20577"/>
-        <pc:sldMkLst>
-          <pc:docMk/>
-          <pc:sldMk cId="0" sldId="271"/>
-        </pc:sldMkLst>
-        <pc:spChg chg="mod">
-          <ac:chgData name="Hewner, Michael P" userId="S::hewner@rose-hulman.edu::7f3f83dd-6dfb-4127-a87f-c1714bd4fac9" providerId="AD" clId="Web-{B29B2858-C88F-F0BA-3A09-C1286D28CF9E}" dt="2018-12-19T19:15:27.754" v="392" actId="20577"/>
-          <ac:spMkLst>
-            <pc:docMk/>
-            <pc:sldMk cId="0" sldId="271"/>
-            <ac:spMk id="144" creationId="{00000000-0000-0000-0000-000000000000}"/>
-          </ac:spMkLst>
-        </pc:spChg>
-        <pc:spChg chg="mod">
-          <ac:chgData name="Hewner, Michael P" userId="S::hewner@rose-hulman.edu::7f3f83dd-6dfb-4127-a87f-c1714bd4fac9" providerId="AD" clId="Web-{B29B2858-C88F-F0BA-3A09-C1286D28CF9E}" dt="2018-12-19T18:44:18.381" v="45" actId="20577"/>
-          <ac:spMkLst>
-            <pc:docMk/>
-            <pc:sldMk cId="0" sldId="271"/>
-            <ac:spMk id="145" creationId="{00000000-0000-0000-0000-000000000000}"/>
-          </ac:spMkLst>
-        </pc:spChg>
-      </pc:sldChg>
-      <pc:sldChg chg="modSp">
-        <pc:chgData name="Hewner, Michael P" userId="S::hewner@rose-hulman.edu::7f3f83dd-6dfb-4127-a87f-c1714bd4fac9" providerId="AD" clId="Web-{B29B2858-C88F-F0BA-3A09-C1286D28CF9E}" dt="2018-12-19T19:15:37.754" v="394" actId="20577"/>
-        <pc:sldMkLst>
-          <pc:docMk/>
-          <pc:sldMk cId="0" sldId="272"/>
-        </pc:sldMkLst>
-        <pc:spChg chg="mod">
-          <ac:chgData name="Hewner, Michael P" userId="S::hewner@rose-hulman.edu::7f3f83dd-6dfb-4127-a87f-c1714bd4fac9" providerId="AD" clId="Web-{B29B2858-C88F-F0BA-3A09-C1286D28CF9E}" dt="2018-12-19T19:15:37.754" v="394" actId="20577"/>
-          <ac:spMkLst>
-            <pc:docMk/>
-            <pc:sldMk cId="0" sldId="272"/>
-            <ac:spMk id="146" creationId="{00000000-0000-0000-0000-000000000000}"/>
-          </ac:spMkLst>
-        </pc:spChg>
-        <pc:spChg chg="mod">
-          <ac:chgData name="Hewner, Michael P" userId="S::hewner@rose-hulman.edu::7f3f83dd-6dfb-4127-a87f-c1714bd4fac9" providerId="AD" clId="Web-{B29B2858-C88F-F0BA-3A09-C1286D28CF9E}" dt="2018-12-19T19:15:00.831" v="386" actId="20577"/>
-          <ac:spMkLst>
-            <pc:docMk/>
-            <pc:sldMk cId="0" sldId="272"/>
-            <ac:spMk id="147" creationId="{00000000-0000-0000-0000-000000000000}"/>
-          </ac:spMkLst>
-        </pc:spChg>
-      </pc:sldChg>
-      <pc:sldChg chg="modSp new">
-        <pc:chgData name="Hewner, Michael P" userId="S::hewner@rose-hulman.edu::7f3f83dd-6dfb-4127-a87f-c1714bd4fac9" providerId="AD" clId="Web-{B29B2858-C88F-F0BA-3A09-C1286D28CF9E}" dt="2018-12-19T18:52:54.318" v="270" actId="20577"/>
-        <pc:sldMkLst>
-          <pc:docMk/>
-          <pc:sldMk cId="3733853829" sldId="273"/>
-        </pc:sldMkLst>
-        <pc:spChg chg="mod">
-          <ac:chgData name="Hewner, Michael P" userId="S::hewner@rose-hulman.edu::7f3f83dd-6dfb-4127-a87f-c1714bd4fac9" providerId="AD" clId="Web-{B29B2858-C88F-F0BA-3A09-C1286D28CF9E}" dt="2018-12-19T18:47:24.381" v="67" actId="20577"/>
-          <ac:spMkLst>
-            <pc:docMk/>
-            <pc:sldMk cId="3733853829" sldId="273"/>
-            <ac:spMk id="2" creationId="{2FA7AE7D-A1FC-456D-9A50-1C20FA2C9C0F}"/>
-          </ac:spMkLst>
-        </pc:spChg>
-        <pc:spChg chg="mod">
-          <ac:chgData name="Hewner, Michael P" userId="S::hewner@rose-hulman.edu::7f3f83dd-6dfb-4127-a87f-c1714bd4fac9" providerId="AD" clId="Web-{B29B2858-C88F-F0BA-3A09-C1286D28CF9E}" dt="2018-12-19T18:52:54.318" v="270" actId="20577"/>
-          <ac:spMkLst>
-            <pc:docMk/>
-            <pc:sldMk cId="3733853829" sldId="273"/>
-            <ac:spMk id="3" creationId="{28657C0B-A438-4B46-8C9B-CE8B39D133B1}"/>
-          </ac:spMkLst>
-        </pc:spChg>
-      </pc:sldChg>
-      <pc:sldChg chg="modSp del">
-        <pc:chgData name="Hewner, Michael P" userId="S::hewner@rose-hulman.edu::7f3f83dd-6dfb-4127-a87f-c1714bd4fac9" providerId="AD" clId="Web-{B29B2858-C88F-F0BA-3A09-C1286D28CF9E}" dt="2018-12-19T19:19:06.480" v="505" actId="20577"/>
-        <pc:sldMkLst>
-          <pc:docMk/>
-          <pc:sldMk cId="3733853829" sldId="273"/>
-        </pc:sldMkLst>
-        <pc:spChg chg="mod">
-          <ac:chgData name="Hewner, Michael P" userId="S::hewner@rose-hulman.edu::7f3f83dd-6dfb-4127-a87f-c1714bd4fac9" providerId="AD" clId="Web-{B29B2858-C88F-F0BA-3A09-C1286D28CF9E}" dt="2018-12-19T19:19:06.480" v="505" actId="20577"/>
-          <ac:spMkLst>
-            <pc:docMk/>
-            <pc:sldMk cId="3733853829" sldId="273"/>
-            <ac:spMk id="3" creationId="{28657C0B-A438-4B46-8C9B-CE8B39D133B1}"/>
-          </ac:spMkLst>
-        </pc:spChg>
-      </pc:sldChg>
-      <pc:sldChg chg="modSp new ord">
-        <pc:chgData name="Hewner, Michael P" userId="S::hewner@rose-hulman.edu::7f3f83dd-6dfb-4127-a87f-c1714bd4fac9" providerId="AD" clId="Web-{B29B2858-C88F-F0BA-3A09-C1286D28CF9E}" dt="2018-12-19T19:21:44.251" v="535" actId="20577"/>
-        <pc:sldMkLst>
-          <pc:docMk/>
-          <pc:sldMk cId="95446378" sldId="274"/>
-        </pc:sldMkLst>
-        <pc:spChg chg="mod">
-          <ac:chgData name="Hewner, Michael P" userId="S::hewner@rose-hulman.edu::7f3f83dd-6dfb-4127-a87f-c1714bd4fac9" providerId="AD" clId="Web-{B29B2858-C88F-F0BA-3A09-C1286D28CF9E}" dt="2018-12-19T19:16:27.990" v="401" actId="20577"/>
-          <ac:spMkLst>
-            <pc:docMk/>
-            <pc:sldMk cId="95446378" sldId="274"/>
-            <ac:spMk id="2" creationId="{5BAB0149-A137-4732-B65E-A8BC547429D1}"/>
-          </ac:spMkLst>
-        </pc:spChg>
-        <pc:spChg chg="mod">
-          <ac:chgData name="Hewner, Michael P" userId="S::hewner@rose-hulman.edu::7f3f83dd-6dfb-4127-a87f-c1714bd4fac9" providerId="AD" clId="Web-{B29B2858-C88F-F0BA-3A09-C1286D28CF9E}" dt="2018-12-19T19:21:44.251" v="535" actId="20577"/>
-          <ac:spMkLst>
-            <pc:docMk/>
-            <pc:sldMk cId="95446378" sldId="274"/>
-            <ac:spMk id="3" creationId="{48557803-D76C-4377-8F7F-8CC40B2C2A04}"/>
-          </ac:spMkLst>
-        </pc:spChg>
-      </pc:sldChg>
-    </pc:docChg>
-  </pc:docChgLst>
-</pc:chgInfo>
+<file path=ppt/revisionInfo.xml><?xml version="1.0" encoding="utf-8"?>
+<p1510:revInfo xmlns:a="http://schemas.openxmlformats.org/drawingml/2006/main" xmlns:r="http://schemas.openxmlformats.org/officeDocument/2006/relationships" xmlns:p1510="http://schemas.microsoft.com/office/powerpoint/2015/10/main">
+  <p1510:revLst>
+    <p1510:client id="{26418257-EBD2-4011-ACB5-15E4DF4290C3}" v="7" dt="2020-03-20T13:58:28.224"/>
+  </p1510:revLst>
+</p1510:revInfo>
 </file>
 
 <file path=ppt/notesMasters/notesMaster1.xml><?xml version="1.0" encoding="utf-8"?>
@@ -939,7 +598,7 @@
             </a:pPr>
             <a:fld id="{67475DEF-5F2E-4DDE-A0FD-8B9F04CF865B}" type="slidenum">
               <a:rPr lang="en-US" sz="1200"/>
-              <a:t>2</a:t>
+              <a:t>4</a:t>
             </a:fld>
             <a:endParaRPr/>
           </a:p>
@@ -1002,7 +661,7 @@
                 <a:latin typeface="Times New Roman"/>
                 <a:ea typeface="ＭＳ Ｐゴシック"/>
               </a:rPr>
-              <a:t>4</a:t>
+              <a:t>5</a:t>
             </a:fld>
             <a:endParaRPr/>
           </a:p>
@@ -1092,7 +751,7 @@
                 <a:latin typeface="Verdana"/>
                 <a:ea typeface="ＭＳ Ｐゴシック"/>
               </a:rPr>
-              <a:t>8</a:t>
+              <a:t>9</a:t>
             </a:fld>
             <a:endParaRPr/>
           </a:p>
@@ -1262,7 +921,7 @@
           <a:p>
             <a:fld id="{C764DE79-268F-4C1A-8933-263129D2AF90}" type="datetimeFigureOut">
               <a:rPr lang="en-US" dirty="0"/>
-              <a:t>12/19/2018</a:t>
+              <a:t>3/20/2020</a:t>
             </a:fld>
             <a:endParaRPr lang="en-US" dirty="0"/>
           </a:p>
@@ -1430,7 +1089,7 @@
           <a:p>
             <a:fld id="{C764DE79-268F-4C1A-8933-263129D2AF90}" type="datetimeFigureOut">
               <a:rPr lang="en-US" dirty="0"/>
-              <a:t>12/19/2018</a:t>
+              <a:t>3/20/2020</a:t>
             </a:fld>
             <a:endParaRPr lang="en-US" dirty="0"/>
           </a:p>
@@ -1608,7 +1267,7 @@
           <a:p>
             <a:fld id="{C764DE79-268F-4C1A-8933-263129D2AF90}" type="datetimeFigureOut">
               <a:rPr lang="en-US" dirty="0"/>
-              <a:t>12/19/2018</a:t>
+              <a:t>3/20/2020</a:t>
             </a:fld>
             <a:endParaRPr lang="en-US" dirty="0"/>
           </a:p>
@@ -1776,7 +1435,7 @@
           <a:p>
             <a:fld id="{C764DE79-268F-4C1A-8933-263129D2AF90}" type="datetimeFigureOut">
               <a:rPr lang="en-US" dirty="0"/>
-              <a:t>12/19/2018</a:t>
+              <a:t>3/20/2020</a:t>
             </a:fld>
             <a:endParaRPr lang="en-US" dirty="0"/>
           </a:p>
@@ -2019,7 +1678,7 @@
           <a:p>
             <a:fld id="{C764DE79-268F-4C1A-8933-263129D2AF90}" type="datetimeFigureOut">
               <a:rPr lang="en-US" dirty="0"/>
-              <a:t>12/19/2018</a:t>
+              <a:t>3/20/2020</a:t>
             </a:fld>
             <a:endParaRPr lang="en-US" dirty="0"/>
           </a:p>
@@ -2248,7 +1907,7 @@
           <a:p>
             <a:fld id="{C764DE79-268F-4C1A-8933-263129D2AF90}" type="datetimeFigureOut">
               <a:rPr lang="en-US" dirty="0"/>
-              <a:t>12/19/2018</a:t>
+              <a:t>3/20/2020</a:t>
             </a:fld>
             <a:endParaRPr lang="en-US" dirty="0"/>
           </a:p>
@@ -2612,7 +2271,7 @@
           <a:p>
             <a:fld id="{C764DE79-268F-4C1A-8933-263129D2AF90}" type="datetimeFigureOut">
               <a:rPr lang="en-US" dirty="0"/>
-              <a:t>12/19/2018</a:t>
+              <a:t>3/20/2020</a:t>
             </a:fld>
             <a:endParaRPr lang="en-US" dirty="0"/>
           </a:p>
@@ -2729,7 +2388,7 @@
           <a:p>
             <a:fld id="{C764DE79-268F-4C1A-8933-263129D2AF90}" type="datetimeFigureOut">
               <a:rPr lang="en-US" dirty="0"/>
-              <a:t>12/19/2018</a:t>
+              <a:t>3/20/2020</a:t>
             </a:fld>
             <a:endParaRPr lang="en-US" dirty="0"/>
           </a:p>
@@ -2824,7 +2483,7 @@
           <a:p>
             <a:fld id="{C764DE79-268F-4C1A-8933-263129D2AF90}" type="datetimeFigureOut">
               <a:rPr lang="en-US" dirty="0"/>
-              <a:t>12/19/2018</a:t>
+              <a:t>3/20/2020</a:t>
             </a:fld>
             <a:endParaRPr lang="en-US" dirty="0"/>
           </a:p>
@@ -3099,7 +2758,7 @@
           <a:p>
             <a:fld id="{C764DE79-268F-4C1A-8933-263129D2AF90}" type="datetimeFigureOut">
               <a:rPr lang="en-US" dirty="0"/>
-              <a:t>12/19/2018</a:t>
+              <a:t>3/20/2020</a:t>
             </a:fld>
             <a:endParaRPr lang="en-US" dirty="0"/>
           </a:p>
@@ -3354,7 +3013,7 @@
           <a:p>
             <a:fld id="{C764DE79-268F-4C1A-8933-263129D2AF90}" type="datetimeFigureOut">
               <a:rPr lang="en-US" dirty="0"/>
-              <a:t>12/19/2018</a:t>
+              <a:t>3/20/2020</a:t>
             </a:fld>
             <a:endParaRPr lang="en-US" dirty="0"/>
           </a:p>
@@ -3565,7 +3224,7 @@
           <a:p>
             <a:fld id="{C764DE79-268F-4C1A-8933-263129D2AF90}" type="datetimeFigureOut">
               <a:rPr lang="en-US" dirty="0"/>
-              <a:t>12/19/2018</a:t>
+              <a:t>3/20/2020</a:t>
             </a:fld>
             <a:endParaRPr lang="en-US" dirty="0"/>
           </a:p>
@@ -4132,107 +3791,134 @@
       </p:grpSpPr>
       <p:sp>
         <p:nvSpPr>
-          <p:cNvPr id="2" name="Title 1">
-            <a:extLst>
-              <a:ext uri="{FF2B5EF4-FFF2-40B4-BE49-F238E27FC236}">
-                <a16:creationId xmlns:a16="http://schemas.microsoft.com/office/drawing/2014/main" id="{5BAB0149-A137-4732-B65E-A8BC547429D1}"/>
-              </a:ext>
-            </a:extLst>
-          </p:cNvPr>
-          <p:cNvSpPr>
-            <a:spLocks noGrp="1"/>
-          </p:cNvSpPr>
-          <p:nvPr>
-            <p:ph type="title"/>
-          </p:nvPr>
-        </p:nvSpPr>
-        <p:spPr/>
-        <p:txBody>
-          <a:bodyPr/>
-          <a:lstStyle/>
-          <a:p>
-            <a:r>
-              <a:rPr lang="en-US">
-                <a:cs typeface="Calibri Light"/>
+          <p:cNvPr id="134" name="CustomShape 1"/>
+          <p:cNvSpPr/>
+          <p:nvPr/>
+        </p:nvSpPr>
+        <p:spPr>
+          <a:xfrm>
+            <a:off x="457200" y="304920"/>
+            <a:ext cx="8228520" cy="1141920"/>
+          </a:xfrm>
+          <a:prstGeom prst="rect">
+            <a:avLst/>
+          </a:prstGeom>
+        </p:spPr>
+        <p:txBody>
+          <a:bodyPr lIns="90000" tIns="45000" rIns="90000" bIns="45000" anchor="b"/>
+          <a:lstStyle/>
+          <a:p>
+            <a:pPr>
+              <a:lnSpc>
+                <a:spcPct val="100000"/>
+              </a:lnSpc>
+            </a:pPr>
+            <a:r>
+              <a:rPr lang="en-US" sz="4400" b="1" dirty="0">
+                <a:latin typeface="Trade Gothic LT Std"/>
               </a:rPr>
-              <a:t>General advice</a:t>
-            </a:r>
-            <a:endParaRPr lang="en-US"/>
-          </a:p>
-        </p:txBody>
-      </p:sp>
-      <p:sp>
-        <p:nvSpPr>
-          <p:cNvPr id="3" name="Content Placeholder 2">
-            <a:extLst>
-              <a:ext uri="{FF2B5EF4-FFF2-40B4-BE49-F238E27FC236}">
-                <a16:creationId xmlns:a16="http://schemas.microsoft.com/office/drawing/2014/main" id="{48557803-D76C-4377-8F7F-8CC40B2C2A04}"/>
-              </a:ext>
-            </a:extLst>
-          </p:cNvPr>
-          <p:cNvSpPr>
-            <a:spLocks noGrp="1"/>
-          </p:cNvSpPr>
-          <p:nvPr>
-            <p:ph idx="1"/>
-          </p:nvPr>
-        </p:nvSpPr>
-        <p:spPr/>
-        <p:txBody>
-          <a:bodyPr vert="horz" lIns="91440" tIns="45720" rIns="91440" bIns="45720" rtlCol="0" anchor="t">
-            <a:normAutofit/>
-          </a:bodyPr>
-          <a:lstStyle/>
-          <a:p>
-            <a:r>
-              <a:rPr lang="en-US">
-                <a:cs typeface="Calibri"/>
-              </a:rPr>
-              <a:t>Code in person, as a group, rather than attempting to divide tasks</a:t>
+              <a:t>Skills needed</a:t>
             </a:r>
             <a:endParaRPr lang="en-US" dirty="0">
               <a:cs typeface="Calibri"/>
             </a:endParaRPr>
           </a:p>
-          <a:p>
-            <a:r>
-              <a:rPr lang="en-US">
-                <a:cs typeface="Calibri"/>
+        </p:txBody>
+      </p:sp>
+      <p:sp>
+        <p:nvSpPr>
+          <p:cNvPr id="135" name="CustomShape 2"/>
+          <p:cNvSpPr/>
+          <p:nvPr/>
+        </p:nvSpPr>
+        <p:spPr>
+          <a:xfrm>
+            <a:off x="457200" y="1600200"/>
+            <a:ext cx="8228520" cy="4524840"/>
+          </a:xfrm>
+          <a:prstGeom prst="rect">
+            <a:avLst/>
+          </a:prstGeom>
+        </p:spPr>
+        <p:txBody>
+          <a:bodyPr lIns="90000" tIns="45000" rIns="90000" bIns="45000" anchor="t"/>
+          <a:lstStyle/>
+          <a:p>
+            <a:pPr marL="457200" indent="-457200">
+              <a:lnSpc>
+                <a:spcPct val="100000"/>
+              </a:lnSpc>
+              <a:buFont typeface="Arial" panose="020B0604020202020204" pitchFamily="34" charset="0"/>
+              <a:buChar char="•"/>
+            </a:pPr>
+            <a:r>
+              <a:rPr lang="en-US" sz="3200" dirty="0">
+                <a:latin typeface="Trade Gothic LT Std"/>
               </a:rPr>
-              <a:t>Inform me of group problems *before* they become major issues</a:t>
-            </a:r>
-            <a:endParaRPr lang="en-US"/>
-          </a:p>
-          <a:p>
-            <a:r>
-              <a:rPr lang="en-US">
-                <a:cs typeface="Calibri"/>
-              </a:rPr>
-              <a:t>When weird stuff is happening get visibility into the problem</a:t>
-            </a:r>
-            <a:endParaRPr lang="en-US" dirty="0">
+              <a:t>Skills that you need to complete the project</a:t>
+            </a:r>
+            <a:endParaRPr lang="en-US">
               <a:cs typeface="Calibri"/>
             </a:endParaRPr>
           </a:p>
           <a:p>
-            <a:r>
-              <a:rPr lang="en-US">
-                <a:cs typeface="Calibri"/>
+            <a:pPr marL="914400" lvl="1" indent="-457200">
+              <a:buFont typeface="Arial" panose="020B0604020202020204" pitchFamily="34" charset="0"/>
+              <a:buChar char="•"/>
+            </a:pPr>
+            <a:r>
+              <a:rPr lang="en-US" sz="2800" dirty="0">
+                <a:latin typeface="Trade Gothic LT Std"/>
               </a:rPr>
-              <a:t>Work ahead of the milestone deadlines</a:t>
-            </a:r>
-            <a:endParaRPr lang="en-US" dirty="0">
+              <a:t>x86 Segmentation</a:t>
+            </a:r>
+            <a:endParaRPr lang="en-US">
               <a:cs typeface="Calibri"/>
             </a:endParaRPr>
           </a:p>
+          <a:p>
+            <a:pPr marL="914400" lvl="1" indent="-457200">
+              <a:buFont typeface="Arial" panose="020B0604020202020204" pitchFamily="34" charset="0"/>
+              <a:buChar char="•"/>
+            </a:pPr>
+            <a:r>
+              <a:rPr lang="en-US" sz="2800" dirty="0">
+                <a:latin typeface="Trade Gothic LT Std"/>
+              </a:rPr>
+              <a:t>UNIX Commands</a:t>
+            </a:r>
+            <a:endParaRPr lang="en-US">
+              <a:cs typeface="Calibri"/>
+            </a:endParaRPr>
+          </a:p>
+          <a:p>
+            <a:pPr marL="914400" lvl="1" indent="-457200">
+              <a:buFont typeface="Arial" panose="020B0604020202020204" pitchFamily="34" charset="0"/>
+              <a:buChar char="•"/>
+            </a:pPr>
+            <a:r>
+              <a:rPr lang="en-US" sz="2800" dirty="0">
+                <a:latin typeface="Trade Gothic LT Std"/>
+              </a:rPr>
+              <a:t>C Programming Language Basics</a:t>
+            </a:r>
+            <a:endParaRPr dirty="0">
+              <a:cs typeface="Calibri"/>
+            </a:endParaRPr>
+          </a:p>
+          <a:p>
+            <a:pPr>
+              <a:lnSpc>
+                <a:spcPct val="100000"/>
+              </a:lnSpc>
+            </a:pPr>
+            <a:endParaRPr dirty="0">
+              <a:cs typeface="Calibri"/>
+            </a:endParaRPr>
+          </a:p>
         </p:txBody>
       </p:sp>
     </p:spTree>
-    <p:extLst>
-      <p:ext uri="{BB962C8B-B14F-4D97-AF65-F5344CB8AC3E}">
-        <p14:creationId xmlns:p14="http://schemas.microsoft.com/office/powerpoint/2010/main" val="95446378"/>
-      </p:ext>
-    </p:extLst>
   </p:cSld>
   <p:clrMapOvr>
     <a:masterClrMapping/>
@@ -4259,1179 +3945,98 @@
       </p:grpSpPr>
       <p:sp>
         <p:nvSpPr>
-          <p:cNvPr id="136" name="CustomShape 1"/>
-          <p:cNvSpPr/>
-          <p:nvPr/>
-        </p:nvSpPr>
-        <p:spPr>
-          <a:xfrm>
-            <a:off x="457200" y="304920"/>
-            <a:ext cx="8228520" cy="1141920"/>
-          </a:xfrm>
-          <a:prstGeom prst="rect">
-            <a:avLst/>
-          </a:prstGeom>
-        </p:spPr>
-        <p:txBody>
-          <a:bodyPr lIns="90000" tIns="45000" rIns="90000" bIns="45000" anchor="b"/>
-          <a:lstStyle/>
-          <a:p>
-            <a:pPr>
-              <a:lnSpc>
-                <a:spcPct val="100000"/>
-              </a:lnSpc>
-            </a:pPr>
-            <a:r>
-              <a:rPr lang="en-US" sz="4400" b="1" dirty="0">
-                <a:latin typeface="Trade Gothic LT Std"/>
+          <p:cNvPr id="2" name="Title 1">
+            <a:extLst>
+              <a:ext uri="{FF2B5EF4-FFF2-40B4-BE49-F238E27FC236}">
+                <a16:creationId xmlns:a16="http://schemas.microsoft.com/office/drawing/2014/main" id="{5BAB0149-A137-4732-B65E-A8BC547429D1}"/>
+              </a:ext>
+            </a:extLst>
+          </p:cNvPr>
+          <p:cNvSpPr>
+            <a:spLocks noGrp="1"/>
+          </p:cNvSpPr>
+          <p:nvPr>
+            <p:ph type="title"/>
+          </p:nvPr>
+        </p:nvSpPr>
+        <p:spPr/>
+        <p:txBody>
+          <a:bodyPr/>
+          <a:lstStyle/>
+          <a:p>
+            <a:r>
+              <a:rPr lang="en-US">
+                <a:cs typeface="Calibri Light"/>
               </a:rPr>
-              <a:t>Project outline</a:t>
-            </a:r>
-            <a:endParaRPr lang="en-US" dirty="0">
-              <a:cs typeface="Calibri"/>
-            </a:endParaRPr>
-          </a:p>
-        </p:txBody>
-      </p:sp>
-      <p:sp>
-        <p:nvSpPr>
-          <p:cNvPr id="137" name="CustomShape 2"/>
-          <p:cNvSpPr/>
-          <p:nvPr/>
-        </p:nvSpPr>
-        <p:spPr>
-          <a:xfrm>
-            <a:off x="457200" y="1600200"/>
-            <a:ext cx="8228520" cy="4524840"/>
-          </a:xfrm>
-          <a:prstGeom prst="rect">
-            <a:avLst/>
-          </a:prstGeom>
-        </p:spPr>
-        <p:txBody>
-          <a:bodyPr lIns="90000" tIns="45000" rIns="90000" bIns="45000" anchor="t"/>
-          <a:lstStyle/>
-          <a:p>
-            <a:pPr marL="457200" indent="-457200">
-              <a:buFont typeface="Arial" panose="020B0604020202020204" pitchFamily="34" charset="0"/>
-              <a:buChar char="•"/>
-            </a:pPr>
-            <a:r>
-              <a:rPr lang="en-US" sz="2800" dirty="0">
-                <a:latin typeface="Trade Gothic LT Std"/>
-              </a:rPr>
-              <a:t>5 mini projects </a:t>
-            </a:r>
-            <a:endParaRPr lang="en-US" sz="2800">
-              <a:cs typeface="Calibri"/>
-            </a:endParaRPr>
-          </a:p>
-          <a:p>
-            <a:pPr marL="457200" indent="-457200">
-              <a:lnSpc>
-                <a:spcPct val="100000"/>
-              </a:lnSpc>
-              <a:buFont typeface="Arial" panose="020B0604020202020204" pitchFamily="34" charset="0"/>
-              <a:buChar char="•"/>
-            </a:pPr>
-            <a:r>
-              <a:rPr lang="en-US" sz="2800" dirty="0">
-                <a:latin typeface="Trade Gothic LT Std"/>
-              </a:rPr>
-              <a:t>~ 1 week each, progressively more difficult</a:t>
-            </a:r>
-          </a:p>
-          <a:p>
-            <a:pPr>
-              <a:lnSpc>
-                <a:spcPct val="100000"/>
-              </a:lnSpc>
-            </a:pPr>
-            <a:endParaRPr sz="1600" dirty="0">
-              <a:cs typeface="Calibri"/>
-            </a:endParaRPr>
-          </a:p>
-          <a:p>
-            <a:pPr marL="457200" indent="-457200">
-              <a:buFont typeface="Arial" panose="020B0604020202020204" pitchFamily="34" charset="0"/>
-              <a:buChar char="•"/>
-            </a:pPr>
-            <a:r>
-              <a:rPr lang="en-US" sz="2800" dirty="0">
-                <a:latin typeface="Trade Gothic LT Std"/>
-              </a:rPr>
-              <a:t>Tested on </a:t>
-            </a:r>
-          </a:p>
-          <a:p>
-            <a:pPr marL="914400" lvl="1" indent="-457200">
-              <a:buFont typeface="Arial" panose="020B0604020202020204" pitchFamily="34" charset="0"/>
-              <a:buChar char="•"/>
-            </a:pPr>
-            <a:r>
-              <a:rPr lang="en-US" sz="2800" dirty="0" err="1">
-                <a:latin typeface="Trade Gothic LT Std"/>
-              </a:rPr>
-              <a:t>Qemu</a:t>
-            </a:r>
-            <a:r>
-              <a:rPr lang="en-US" sz="2800" dirty="0">
-                <a:latin typeface="Trade Gothic LT Std"/>
-              </a:rPr>
-              <a:t> - </a:t>
-            </a:r>
-            <a:r>
-              <a:rPr lang="en-US" sz="2800" u="sng" dirty="0">
-                <a:latin typeface="Trade Gothic LT Std"/>
-                <a:hlinkClick r:id="rId2"/>
-              </a:rPr>
-              <a:t>https://www.qemu.org/</a:t>
-            </a:r>
-            <a:endParaRPr lang="en-US" sz="2800" u="sng">
-              <a:latin typeface="Trade Gothic LT Std"/>
-            </a:endParaRPr>
-          </a:p>
-          <a:p>
-            <a:pPr lvl="1"/>
-            <a:endParaRPr sz="1600" dirty="0">
-              <a:cs typeface="Calibri"/>
-            </a:endParaRPr>
-          </a:p>
-          <a:p>
-            <a:pPr marL="457200" indent="-457200">
-              <a:lnSpc>
-                <a:spcPct val="100000"/>
-              </a:lnSpc>
-              <a:buFont typeface="Arial" panose="020B0604020202020204" pitchFamily="34" charset="0"/>
-              <a:buChar char="•"/>
-            </a:pPr>
-            <a:r>
-              <a:rPr lang="en-US" sz="2800" dirty="0">
-                <a:latin typeface="Trade Gothic LT Std"/>
-              </a:rPr>
-              <a:t>Standard Linux tools:</a:t>
-            </a:r>
-            <a:endParaRPr lang="en-US" sz="2800">
-              <a:cs typeface="Calibri"/>
-            </a:endParaRPr>
-          </a:p>
-          <a:p>
-            <a:pPr marL="914400" lvl="1" indent="-457200">
-              <a:buFont typeface="Arial" panose="020B0604020202020204" pitchFamily="34" charset="0"/>
-              <a:buChar char="•"/>
-            </a:pPr>
-            <a:r>
-              <a:rPr lang="en-US" sz="2400" dirty="0">
-                <a:latin typeface="Trade Gothic LT Std"/>
-              </a:rPr>
-              <a:t>16-bit tools: bcc compiler, as86 assembler</a:t>
-            </a:r>
-            <a:endParaRPr lang="en-US" sz="2400">
-              <a:cs typeface="Calibri"/>
-            </a:endParaRPr>
-          </a:p>
-          <a:p>
-            <a:pPr marL="914400" lvl="1" indent="-457200">
-              <a:buFont typeface="Arial" panose="020B0604020202020204" pitchFamily="34" charset="0"/>
-              <a:buChar char="•"/>
-            </a:pPr>
-            <a:r>
-              <a:rPr lang="en-US" sz="2400" dirty="0">
-                <a:latin typeface="Trade Gothic LT Std"/>
-              </a:rPr>
-              <a:t>dd command for floppy image</a:t>
-            </a:r>
-            <a:endParaRPr lang="en-US" sz="2400">
-              <a:cs typeface="Calibri"/>
-            </a:endParaRPr>
-          </a:p>
-          <a:p>
-            <a:pPr marL="914400" lvl="1" indent="-457200">
-              <a:buFont typeface="Arial" panose="020B0604020202020204" pitchFamily="34" charset="0"/>
-              <a:buChar char="•"/>
-            </a:pPr>
-            <a:r>
-              <a:rPr lang="en-US" sz="2400" dirty="0" err="1">
-                <a:latin typeface="Trade Gothic LT Std"/>
-              </a:rPr>
-              <a:t>hexedit</a:t>
-            </a:r>
-            <a:r>
-              <a:rPr lang="en-US" sz="2400" dirty="0">
-                <a:latin typeface="Trade Gothic LT Std"/>
-              </a:rPr>
-              <a:t> for binary files</a:t>
-            </a:r>
-            <a:endParaRPr sz="2400" dirty="0">
-              <a:cs typeface="Calibri"/>
-            </a:endParaRPr>
-          </a:p>
-          <a:p>
-            <a:pPr>
-              <a:lnSpc>
-                <a:spcPct val="100000"/>
-              </a:lnSpc>
-            </a:pPr>
-            <a:endParaRPr sz="1600" dirty="0">
-              <a:cs typeface="Calibri"/>
-            </a:endParaRPr>
-          </a:p>
-        </p:txBody>
-      </p:sp>
-    </p:spTree>
-  </p:cSld>
-  <p:clrMapOvr>
-    <a:masterClrMapping/>
-  </p:clrMapOvr>
-</p:sld>
-</file>
-
-<file path=ppt/slides/slide12.xml><?xml version="1.0" encoding="utf-8"?>
-<p:sld xmlns:a="http://schemas.openxmlformats.org/drawingml/2006/main" xmlns:r="http://schemas.openxmlformats.org/officeDocument/2006/relationships" xmlns:p="http://schemas.openxmlformats.org/presentationml/2006/main">
-  <p:cSld>
-    <p:spTree>
-      <p:nvGrpSpPr>
-        <p:cNvPr id="1" name=""/>
-        <p:cNvGrpSpPr/>
-        <p:nvPr/>
-      </p:nvGrpSpPr>
-      <p:grpSpPr>
-        <a:xfrm>
-          <a:off x="0" y="0"/>
-          <a:ext cx="0" cy="0"/>
-          <a:chOff x="0" y="0"/>
-          <a:chExt cx="0" cy="0"/>
-        </a:xfrm>
-      </p:grpSpPr>
-      <p:sp>
-        <p:nvSpPr>
-          <p:cNvPr id="138" name="CustomShape 1"/>
-          <p:cNvSpPr/>
-          <p:nvPr/>
-        </p:nvSpPr>
-        <p:spPr>
-          <a:xfrm>
-            <a:off x="457200" y="304920"/>
-            <a:ext cx="8228520" cy="1141920"/>
-          </a:xfrm>
-          <a:prstGeom prst="rect">
-            <a:avLst/>
-          </a:prstGeom>
-        </p:spPr>
-        <p:txBody>
-          <a:bodyPr lIns="90000" tIns="45000" rIns="90000" bIns="45000" anchor="b"/>
-          <a:lstStyle/>
-          <a:p>
-            <a:pPr>
-              <a:lnSpc>
-                <a:spcPct val="100000"/>
-              </a:lnSpc>
-            </a:pPr>
-            <a:r>
-              <a:rPr lang="en-US" sz="4400" b="1">
-                <a:latin typeface="Trade Gothic LT Std"/>
-              </a:rPr>
-              <a:t>M1 – Hello World</a:t>
-            </a:r>
-            <a:endParaRPr lang="en-US">
-              <a:cs typeface="Calibri"/>
-            </a:endParaRPr>
-          </a:p>
-        </p:txBody>
-      </p:sp>
-      <p:sp>
-        <p:nvSpPr>
-          <p:cNvPr id="139" name="CustomShape 2"/>
-          <p:cNvSpPr/>
-          <p:nvPr/>
-        </p:nvSpPr>
-        <p:spPr>
-          <a:xfrm>
-            <a:off x="457200" y="1600200"/>
-            <a:ext cx="8228520" cy="4524840"/>
-          </a:xfrm>
-          <a:prstGeom prst="rect">
-            <a:avLst/>
-          </a:prstGeom>
-        </p:spPr>
-        <p:txBody>
-          <a:bodyPr lIns="90000" tIns="45000" rIns="90000" bIns="45000" anchor="t"/>
-          <a:lstStyle/>
-          <a:p>
-            <a:pPr marL="457200" lvl="1">
-              <a:lnSpc>
-                <a:spcPct val="100000"/>
-              </a:lnSpc>
-            </a:pPr>
-            <a:endParaRPr lang="en-US" dirty="0">
-              <a:cs typeface="Calibri"/>
-            </a:endParaRPr>
-          </a:p>
-          <a:p>
-            <a:pPr marL="457200" indent="-457200">
-              <a:buFont typeface="Arial" panose="020B0604020202020204" pitchFamily="34" charset="0"/>
-              <a:buChar char="•"/>
-            </a:pPr>
-            <a:r>
-              <a:rPr lang="en-US" sz="3200">
-                <a:latin typeface="Trade Gothic LT Std"/>
+              <a:t>General advice</a:t>
+            </a:r>
+            <a:endParaRPr lang="en-US"/>
+          </a:p>
+        </p:txBody>
+      </p:sp>
+      <p:sp>
+        <p:nvSpPr>
+          <p:cNvPr id="3" name="Content Placeholder 2">
+            <a:extLst>
+              <a:ext uri="{FF2B5EF4-FFF2-40B4-BE49-F238E27FC236}">
+                <a16:creationId xmlns:a16="http://schemas.microsoft.com/office/drawing/2014/main" id="{48557803-D76C-4377-8F7F-8CC40B2C2A04}"/>
+              </a:ext>
+            </a:extLst>
+          </p:cNvPr>
+          <p:cNvSpPr>
+            <a:spLocks noGrp="1"/>
+          </p:cNvSpPr>
+          <p:nvPr>
+            <p:ph idx="1"/>
+          </p:nvPr>
+        </p:nvSpPr>
+        <p:spPr/>
+        <p:txBody>
+          <a:bodyPr vert="horz" lIns="91440" tIns="45720" rIns="91440" bIns="45720" rtlCol="0" anchor="t">
+            <a:normAutofit/>
+          </a:bodyPr>
+          <a:lstStyle/>
+          <a:p>
+            <a:r>
+              <a:rPr lang="en-US" dirty="0">
                 <a:cs typeface="Calibri"/>
               </a:rPr>
-              <a:t>Write a simple kernel in C that </a:t>
-            </a:r>
-            <a:r>
-              <a:rPr lang="en-US" sz="3200">
-                <a:latin typeface="Trade Gothic LT Std"/>
-              </a:rPr>
-              <a:t>prints Hello World by writing to video </a:t>
-            </a:r>
-            <a:r>
-              <a:rPr lang="en-US" sz="3200" dirty="0">
-                <a:latin typeface="Trade Gothic LT Std"/>
-              </a:rPr>
-              <a:t>memory</a:t>
-            </a:r>
-            <a:endParaRPr>
-              <a:cs typeface="Calibri"/>
-            </a:endParaRPr>
-          </a:p>
-          <a:p>
-            <a:pPr marL="457200" indent="-457200">
-              <a:buFont typeface="Arial" panose="020B0604020202020204" pitchFamily="34" charset="0"/>
-              <a:buChar char="•"/>
-            </a:pPr>
-            <a:r>
-              <a:rPr lang="en-US" sz="3200">
-                <a:latin typeface="Trade Gothic LT Std"/>
+              <a:t>Code together, as a group, rather than attempting to divide tasks</a:t>
+            </a:r>
+          </a:p>
+          <a:p>
+            <a:r>
+              <a:rPr lang="en-US" dirty="0">
                 <a:cs typeface="Calibri"/>
               </a:rPr>
-              <a:t>Really more about getting everything setup than a tough assignment in its own right</a:t>
-            </a:r>
-            <a:endParaRPr lang="en-US" sz="3200" dirty="0">
-              <a:latin typeface="Trade Gothic LT Std"/>
-              <a:cs typeface="Calibri"/>
-            </a:endParaRPr>
-          </a:p>
-          <a:p>
-            <a:pPr marL="457200" indent="-457200">
-              <a:buFont typeface="Arial" panose="020B0604020202020204" pitchFamily="34" charset="0"/>
-              <a:buChar char="•"/>
-            </a:pPr>
-            <a:r>
-              <a:rPr lang="en-US" sz="3200">
-                <a:latin typeface="Trade Gothic LT Std"/>
+              <a:t>Inform me of group problems *before* they become major issues</a:t>
+            </a:r>
+            <a:endParaRPr lang="en-US" dirty="0"/>
+          </a:p>
+          <a:p>
+            <a:r>
+              <a:rPr lang="en-US" dirty="0">
                 <a:cs typeface="Calibri"/>
               </a:rPr>
-              <a:t>This is due soon after Exam 1 and we don't give you any class time to do it</a:t>
-            </a:r>
-            <a:endParaRPr lang="en-US" sz="3200" dirty="0">
-              <a:latin typeface="Trade Gothic LT Std"/>
-              <a:cs typeface="Calibri"/>
-            </a:endParaRPr>
-          </a:p>
-          <a:p>
-            <a:pPr marL="285750" indent="-285750">
-              <a:buFont typeface="Arial" panose="020B0604020202020204" pitchFamily="34" charset="0"/>
-              <a:buChar char="•"/>
-            </a:pPr>
-            <a:endParaRPr lang="en-US" dirty="0">
-              <a:cs typeface="Calibri"/>
-            </a:endParaRPr>
-          </a:p>
-        </p:txBody>
-      </p:sp>
-    </p:spTree>
-  </p:cSld>
-  <p:clrMapOvr>
-    <a:masterClrMapping/>
-  </p:clrMapOvr>
-</p:sld>
-</file>
-
-<file path=ppt/slides/slide13.xml><?xml version="1.0" encoding="utf-8"?>
-<p:sld xmlns:a="http://schemas.openxmlformats.org/drawingml/2006/main" xmlns:r="http://schemas.openxmlformats.org/officeDocument/2006/relationships" xmlns:p="http://schemas.openxmlformats.org/presentationml/2006/main">
-  <p:cSld>
-    <p:spTree>
-      <p:nvGrpSpPr>
-        <p:cNvPr id="1" name=""/>
-        <p:cNvGrpSpPr/>
-        <p:nvPr/>
-      </p:nvGrpSpPr>
-      <p:grpSpPr>
-        <a:xfrm>
-          <a:off x="0" y="0"/>
-          <a:ext cx="0" cy="0"/>
-          <a:chOff x="0" y="0"/>
-          <a:chExt cx="0" cy="0"/>
-        </a:xfrm>
-      </p:grpSpPr>
-      <p:sp>
-        <p:nvSpPr>
-          <p:cNvPr id="140" name="CustomShape 1"/>
-          <p:cNvSpPr/>
-          <p:nvPr/>
-        </p:nvSpPr>
-        <p:spPr>
-          <a:xfrm>
-            <a:off x="457200" y="304920"/>
-            <a:ext cx="8228520" cy="1141920"/>
-          </a:xfrm>
-          <a:prstGeom prst="rect">
-            <a:avLst/>
-          </a:prstGeom>
-        </p:spPr>
-        <p:txBody>
-          <a:bodyPr lIns="90000" tIns="45000" rIns="90000" bIns="45000" anchor="b"/>
-          <a:lstStyle/>
-          <a:p>
-            <a:pPr>
-              <a:lnSpc>
-                <a:spcPct val="100000"/>
-              </a:lnSpc>
-            </a:pPr>
-            <a:r>
-              <a:rPr lang="en-US" sz="4400" b="1">
-                <a:latin typeface="Trade Gothic LT Std"/>
-              </a:rPr>
-              <a:t>M2 - Kernel Interrupts</a:t>
-            </a:r>
-            <a:endParaRPr lang="en-US">
-              <a:cs typeface="Calibri"/>
-            </a:endParaRPr>
-          </a:p>
-        </p:txBody>
-      </p:sp>
-      <p:sp>
-        <p:nvSpPr>
-          <p:cNvPr id="141" name="CustomShape 2"/>
-          <p:cNvSpPr/>
-          <p:nvPr/>
-        </p:nvSpPr>
-        <p:spPr>
-          <a:xfrm>
-            <a:off x="457200" y="1600200"/>
-            <a:ext cx="8228520" cy="4524840"/>
-          </a:xfrm>
-          <a:prstGeom prst="rect">
-            <a:avLst/>
-          </a:prstGeom>
-        </p:spPr>
-        <p:txBody>
-          <a:bodyPr lIns="90000" tIns="45000" rIns="90000" bIns="45000" anchor="t"/>
-          <a:lstStyle/>
-          <a:p>
-            <a:pPr marL="457200" lvl="1">
-              <a:lnSpc>
-                <a:spcPct val="100000"/>
-              </a:lnSpc>
-            </a:pPr>
-            <a:endParaRPr lang="en-US" sz="1600" dirty="0">
-              <a:cs typeface="Calibri"/>
-            </a:endParaRPr>
-          </a:p>
-          <a:p>
-            <a:pPr marL="457200" indent="-457200">
-              <a:lnSpc>
-                <a:spcPct val="100000"/>
-              </a:lnSpc>
-              <a:buFont typeface="Arial" panose="020B0604020202020204" pitchFamily="34" charset="0"/>
-              <a:buChar char="•"/>
-            </a:pPr>
-            <a:r>
-              <a:rPr lang="en-US" sz="2800">
-                <a:latin typeface="Trade Gothic LT Std"/>
-              </a:rPr>
-              <a:t>Write:</a:t>
-            </a:r>
-            <a:endParaRPr lang="en-US" sz="2800">
-              <a:cs typeface="Calibri"/>
-            </a:endParaRPr>
-          </a:p>
-          <a:p>
-            <a:pPr marL="914400" lvl="1" indent="-457200">
-              <a:buFont typeface="Arial" panose="020B0604020202020204" pitchFamily="34" charset="0"/>
-              <a:buChar char="•"/>
-            </a:pPr>
-            <a:r>
-              <a:rPr lang="en-US" sz="2400" dirty="0">
-                <a:latin typeface="Trade Gothic LT Std"/>
-              </a:rPr>
-              <a:t>Print String to console</a:t>
-            </a:r>
-            <a:endParaRPr lang="en-US" sz="2400">
-              <a:cs typeface="Calibri"/>
-            </a:endParaRPr>
-          </a:p>
-          <a:p>
-            <a:pPr marL="914400" lvl="1" indent="-457200">
-              <a:buFont typeface="Arial" panose="020B0604020202020204" pitchFamily="34" charset="0"/>
-              <a:buChar char="•"/>
-            </a:pPr>
-            <a:r>
-              <a:rPr lang="en-US" sz="2400" dirty="0">
-                <a:latin typeface="Trade Gothic LT Std"/>
-              </a:rPr>
-              <a:t>Read string from keyboard</a:t>
-            </a:r>
-            <a:endParaRPr lang="en-US" sz="2400">
-              <a:cs typeface="Calibri"/>
-            </a:endParaRPr>
-          </a:p>
-          <a:p>
-            <a:pPr marL="914400" lvl="1" indent="-457200">
-              <a:buFont typeface="Arial" panose="020B0604020202020204" pitchFamily="34" charset="0"/>
-              <a:buChar char="•"/>
-            </a:pPr>
-            <a:r>
-              <a:rPr lang="en-US" sz="2400" dirty="0">
-                <a:latin typeface="Trade Gothic LT Std"/>
-              </a:rPr>
-              <a:t>Read sector to buffer</a:t>
-            </a:r>
-          </a:p>
-          <a:p>
-            <a:pPr lvl="1"/>
-            <a:endParaRPr sz="1600" dirty="0">
-              <a:cs typeface="Calibri"/>
-            </a:endParaRPr>
-          </a:p>
-          <a:p>
-            <a:pPr marL="457200" indent="-457200">
-              <a:buFont typeface="Arial" panose="020B0604020202020204" pitchFamily="34" charset="0"/>
-              <a:buChar char="•"/>
-            </a:pPr>
-            <a:r>
-              <a:rPr lang="en-US" sz="2800">
-                <a:latin typeface="Trade Gothic LT Std"/>
+              <a:t>When weird stuff is happening get visibility into the problem</a:t>
+            </a:r>
+          </a:p>
+          <a:p>
+            <a:r>
+              <a:rPr lang="en-US" dirty="0">
                 <a:cs typeface="Calibri"/>
               </a:rPr>
-              <a:t>Also easy, though we will have a little class time for folks who have problems</a:t>
-            </a:r>
-            <a:endParaRPr lang="en-US" sz="2800">
-              <a:cs typeface="Calibri"/>
-            </a:endParaRPr>
-          </a:p>
-          <a:p>
-            <a:pPr marL="285750" indent="-285750">
-              <a:lnSpc>
-                <a:spcPct val="100000"/>
-              </a:lnSpc>
-              <a:buFont typeface="Arial"/>
-              <a:buChar char="•"/>
-            </a:pPr>
-            <a:endParaRPr sz="1600">
-              <a:cs typeface="Calibri"/>
-            </a:endParaRPr>
+              <a:t>Work ahead of the milestone deadlines</a:t>
+            </a:r>
           </a:p>
         </p:txBody>
       </p:sp>
     </p:spTree>
-  </p:cSld>
-  <p:clrMapOvr>
-    <a:masterClrMapping/>
-  </p:clrMapOvr>
-</p:sld>
-</file>
-
-<file path=ppt/slides/slide14.xml><?xml version="1.0" encoding="utf-8"?>
-<p:sld xmlns:a="http://schemas.openxmlformats.org/drawingml/2006/main" xmlns:r="http://schemas.openxmlformats.org/officeDocument/2006/relationships" xmlns:p="http://schemas.openxmlformats.org/presentationml/2006/main">
-  <p:cSld>
-    <p:spTree>
-      <p:nvGrpSpPr>
-        <p:cNvPr id="1" name=""/>
-        <p:cNvGrpSpPr/>
-        <p:nvPr/>
-      </p:nvGrpSpPr>
-      <p:grpSpPr>
-        <a:xfrm>
-          <a:off x="0" y="0"/>
-          <a:ext cx="0" cy="0"/>
-          <a:chOff x="0" y="0"/>
-          <a:chExt cx="0" cy="0"/>
-        </a:xfrm>
-      </p:grpSpPr>
-      <p:sp>
-        <p:nvSpPr>
-          <p:cNvPr id="142" name="CustomShape 1"/>
-          <p:cNvSpPr/>
-          <p:nvPr/>
-        </p:nvSpPr>
-        <p:spPr>
-          <a:xfrm>
-            <a:off x="457200" y="304920"/>
-            <a:ext cx="8228520" cy="1141920"/>
-          </a:xfrm>
-          <a:prstGeom prst="rect">
-            <a:avLst/>
-          </a:prstGeom>
-        </p:spPr>
-        <p:txBody>
-          <a:bodyPr lIns="90000" tIns="45000" rIns="90000" bIns="45000" anchor="b"/>
-          <a:lstStyle/>
-          <a:p>
-            <a:pPr>
-              <a:lnSpc>
-                <a:spcPct val="100000"/>
-              </a:lnSpc>
-            </a:pPr>
-            <a:r>
-              <a:rPr lang="en-US" sz="4400" b="1">
-                <a:latin typeface="Trade Gothic LT Std"/>
-              </a:rPr>
-              <a:t>M3 - Read, Execute, Kill</a:t>
-            </a:r>
-            <a:endParaRPr lang="en-US">
-              <a:cs typeface="Calibri"/>
-            </a:endParaRPr>
-          </a:p>
-        </p:txBody>
-      </p:sp>
-      <p:sp>
-        <p:nvSpPr>
-          <p:cNvPr id="143" name="CustomShape 2"/>
-          <p:cNvSpPr/>
-          <p:nvPr/>
-        </p:nvSpPr>
-        <p:spPr>
-          <a:xfrm>
-            <a:off x="457200" y="1600200"/>
-            <a:ext cx="8228520" cy="4524840"/>
-          </a:xfrm>
-          <a:prstGeom prst="rect">
-            <a:avLst/>
-          </a:prstGeom>
-        </p:spPr>
-        <p:txBody>
-          <a:bodyPr lIns="90000" tIns="45000" rIns="90000" bIns="45000" anchor="t"/>
-          <a:lstStyle/>
-          <a:p>
-            <a:pPr marL="457200" indent="-457200">
-              <a:lnSpc>
-                <a:spcPct val="100000"/>
-              </a:lnSpc>
-              <a:buFont typeface="Arial" panose="020B0604020202020204" pitchFamily="34" charset="0"/>
-              <a:buChar char="•"/>
-            </a:pPr>
-            <a:r>
-              <a:rPr lang="en-US" sz="3200" dirty="0">
-                <a:latin typeface="Trade Gothic LT Std"/>
-              </a:rPr>
-              <a:t>Read a file from disk to a buffer, using a directory sector</a:t>
-            </a:r>
-            <a:endParaRPr lang="en-US" dirty="0">
-              <a:cs typeface="Calibri"/>
-            </a:endParaRPr>
-          </a:p>
-          <a:p>
-            <a:pPr marL="457200" indent="-457200">
-              <a:lnSpc>
-                <a:spcPct val="100000"/>
-              </a:lnSpc>
-              <a:buFont typeface="Arial" panose="020B0604020202020204" pitchFamily="34" charset="0"/>
-              <a:buChar char="•"/>
-            </a:pPr>
-            <a:r>
-              <a:rPr lang="en-US" sz="3200" dirty="0">
-                <a:latin typeface="Trade Gothic LT Std"/>
-              </a:rPr>
-              <a:t>Execute a program: Read file, copy to 0x2000 memory block, call </a:t>
-            </a:r>
-            <a:r>
-              <a:rPr lang="en-US" sz="3200" dirty="0" err="1">
-                <a:latin typeface="Trade Gothic LT Std"/>
-              </a:rPr>
-              <a:t>LaunchProgram</a:t>
-            </a:r>
-            <a:r>
-              <a:rPr lang="en-US" sz="3200" dirty="0">
-                <a:latin typeface="Trade Gothic LT Std"/>
-              </a:rPr>
-              <a:t> (provided)‏</a:t>
-            </a:r>
-            <a:endParaRPr dirty="0">
-              <a:cs typeface="Calibri"/>
-            </a:endParaRPr>
-          </a:p>
-          <a:p>
-            <a:pPr marL="457200" indent="-457200">
-              <a:lnSpc>
-                <a:spcPct val="100000"/>
-              </a:lnSpc>
-              <a:buFont typeface="Arial" panose="020B0604020202020204" pitchFamily="34" charset="0"/>
-              <a:buChar char="•"/>
-            </a:pPr>
-            <a:r>
-              <a:rPr lang="en-US" sz="3200" dirty="0">
-                <a:latin typeface="Trade Gothic LT Std"/>
-              </a:rPr>
-              <a:t>Shell: prompt user, print text files, execute program files</a:t>
-            </a:r>
-            <a:endParaRPr dirty="0">
-              <a:cs typeface="Calibri"/>
-            </a:endParaRPr>
-          </a:p>
-          <a:p>
-            <a:pPr marL="457200" indent="-457200">
-              <a:lnSpc>
-                <a:spcPct val="100000"/>
-              </a:lnSpc>
-              <a:buFont typeface="Arial" panose="020B0604020202020204" pitchFamily="34" charset="0"/>
-              <a:buChar char="•"/>
-            </a:pPr>
-            <a:r>
-              <a:rPr lang="en-US" sz="3200" dirty="0">
-                <a:latin typeface="Trade Gothic LT Std"/>
-              </a:rPr>
-              <a:t>Terminate program system call: reloads the shell when programs finish</a:t>
-            </a:r>
-            <a:endParaRPr dirty="0">
-              <a:cs typeface="Calibri"/>
-            </a:endParaRPr>
-          </a:p>
-          <a:p>
-            <a:pPr marL="285750" indent="-285750">
-              <a:lnSpc>
-                <a:spcPct val="100000"/>
-              </a:lnSpc>
-              <a:buFont typeface="Arial" panose="020B0604020202020204" pitchFamily="34" charset="0"/>
-              <a:buChar char="•"/>
-            </a:pPr>
-            <a:endParaRPr dirty="0">
-              <a:cs typeface="Calibri"/>
-            </a:endParaRPr>
-          </a:p>
-        </p:txBody>
-      </p:sp>
-    </p:spTree>
-  </p:cSld>
-  <p:clrMapOvr>
-    <a:masterClrMapping/>
-  </p:clrMapOvr>
-</p:sld>
-</file>
-
-<file path=ppt/slides/slide15.xml><?xml version="1.0" encoding="utf-8"?>
-<p:sld xmlns:a="http://schemas.openxmlformats.org/drawingml/2006/main" xmlns:r="http://schemas.openxmlformats.org/officeDocument/2006/relationships" xmlns:p="http://schemas.openxmlformats.org/presentationml/2006/main">
-  <p:cSld>
-    <p:spTree>
-      <p:nvGrpSpPr>
-        <p:cNvPr id="1" name=""/>
-        <p:cNvGrpSpPr/>
-        <p:nvPr/>
-      </p:nvGrpSpPr>
-      <p:grpSpPr>
-        <a:xfrm>
-          <a:off x="0" y="0"/>
-          <a:ext cx="0" cy="0"/>
-          <a:chOff x="0" y="0"/>
-          <a:chExt cx="0" cy="0"/>
-        </a:xfrm>
-      </p:grpSpPr>
-      <p:sp>
-        <p:nvSpPr>
-          <p:cNvPr id="144" name="CustomShape 1"/>
-          <p:cNvSpPr/>
-          <p:nvPr/>
-        </p:nvSpPr>
-        <p:spPr>
-          <a:xfrm>
-            <a:off x="457200" y="304920"/>
-            <a:ext cx="8228520" cy="1141920"/>
-          </a:xfrm>
-          <a:prstGeom prst="rect">
-            <a:avLst/>
-          </a:prstGeom>
-        </p:spPr>
-        <p:txBody>
-          <a:bodyPr lIns="90000" tIns="45000" rIns="90000" bIns="45000" anchor="b"/>
-          <a:lstStyle/>
-          <a:p>
-            <a:pPr>
-              <a:lnSpc>
-                <a:spcPct val="100000"/>
-              </a:lnSpc>
-            </a:pPr>
-            <a:r>
-              <a:rPr lang="en-US" sz="4400" b="1">
-                <a:latin typeface="Trade Gothic LT Std"/>
-              </a:rPr>
-              <a:t>M4 - Single-Process OS</a:t>
-            </a:r>
-            <a:endParaRPr lang="en-US">
-              <a:cs typeface="Calibri"/>
-            </a:endParaRPr>
-          </a:p>
-        </p:txBody>
-      </p:sp>
-      <p:sp>
-        <p:nvSpPr>
-          <p:cNvPr id="145" name="CustomShape 2"/>
-          <p:cNvSpPr/>
-          <p:nvPr/>
-        </p:nvSpPr>
-        <p:spPr>
-          <a:xfrm>
-            <a:off x="457200" y="1600200"/>
-            <a:ext cx="8228520" cy="4524840"/>
-          </a:xfrm>
-          <a:prstGeom prst="rect">
-            <a:avLst/>
-          </a:prstGeom>
-        </p:spPr>
-        <p:txBody>
-          <a:bodyPr lIns="90000" tIns="45000" rIns="90000" bIns="45000" anchor="t"/>
-          <a:lstStyle/>
-          <a:p>
-            <a:pPr marL="457200" indent="-457200">
-              <a:lnSpc>
-                <a:spcPct val="100000"/>
-              </a:lnSpc>
-              <a:buFont typeface="Arial" panose="020B0604020202020204" pitchFamily="34" charset="0"/>
-              <a:buChar char="•"/>
-            </a:pPr>
-            <a:r>
-              <a:rPr lang="en-US" sz="3200" dirty="0">
-                <a:latin typeface="Trade Gothic LT Std"/>
-              </a:rPr>
-              <a:t>Write - create new file, copy buffer to new file</a:t>
-            </a:r>
-          </a:p>
-          <a:p>
-            <a:pPr>
-              <a:lnSpc>
-                <a:spcPct val="100000"/>
-              </a:lnSpc>
-            </a:pPr>
-            <a:endParaRPr dirty="0">
-              <a:cs typeface="Calibri"/>
-            </a:endParaRPr>
-          </a:p>
-          <a:p>
-            <a:pPr marL="457200" indent="-457200">
-              <a:lnSpc>
-                <a:spcPct val="100000"/>
-              </a:lnSpc>
-              <a:buFont typeface="Arial" panose="020B0604020202020204" pitchFamily="34" charset="0"/>
-              <a:buChar char="•"/>
-            </a:pPr>
-            <a:r>
-              <a:rPr lang="en-US" sz="3200" dirty="0">
-                <a:latin typeface="Trade Gothic LT Std"/>
-              </a:rPr>
-              <a:t>Delete - remove file</a:t>
-            </a:r>
-          </a:p>
-          <a:p>
-            <a:pPr>
-              <a:lnSpc>
-                <a:spcPct val="100000"/>
-              </a:lnSpc>
-            </a:pPr>
-            <a:endParaRPr dirty="0">
-              <a:cs typeface="Calibri"/>
-            </a:endParaRPr>
-          </a:p>
-          <a:p>
-            <a:pPr marL="457200" indent="-457200">
-              <a:buFont typeface="Arial" panose="020B0604020202020204" pitchFamily="34" charset="0"/>
-              <a:buChar char="•"/>
-            </a:pPr>
-            <a:r>
-              <a:rPr lang="en-US" sz="3200" dirty="0">
-                <a:latin typeface="Trade Gothic LT Std"/>
-              </a:rPr>
-              <a:t>Add commands to shell: </a:t>
-            </a:r>
-            <a:endParaRPr lang="en-US" dirty="0">
-              <a:latin typeface="Calibri"/>
-              <a:cs typeface="Calibri"/>
-            </a:endParaRPr>
-          </a:p>
-          <a:p>
-            <a:pPr marL="457200" lvl="1" indent="-457200">
-              <a:buFont typeface="Arial" panose="020B0604020202020204" pitchFamily="34" charset="0"/>
-              <a:buChar char="•"/>
-            </a:pPr>
-            <a:r>
-              <a:rPr lang="en-US" sz="2800" dirty="0">
-                <a:latin typeface="Trade Gothic LT Std"/>
-              </a:rPr>
-              <a:t>copy, </a:t>
-            </a:r>
-            <a:endParaRPr lang="en-US" dirty="0">
-              <a:latin typeface="Calibri"/>
-              <a:cs typeface="Calibri"/>
-            </a:endParaRPr>
-          </a:p>
-          <a:p>
-            <a:pPr lvl="1" indent="-457200">
-              <a:buFont typeface="Arial" panose="020B0604020202020204" pitchFamily="34" charset="0"/>
-              <a:buChar char="•"/>
-            </a:pPr>
-            <a:r>
-              <a:rPr lang="en-US" sz="2800" dirty="0">
-                <a:latin typeface="Trade Gothic LT Std"/>
-              </a:rPr>
-              <a:t>delete, </a:t>
-            </a:r>
-            <a:endParaRPr lang="en-US" dirty="0">
-              <a:latin typeface="Calibri"/>
-              <a:cs typeface="Calibri"/>
-            </a:endParaRPr>
-          </a:p>
-          <a:p>
-            <a:pPr lvl="1" indent="-457200">
-              <a:buFont typeface="Arial" panose="020B0604020202020204" pitchFamily="34" charset="0"/>
-              <a:buChar char="•"/>
-            </a:pPr>
-            <a:r>
-              <a:rPr lang="en-US" sz="2800" dirty="0">
-                <a:latin typeface="Trade Gothic LT Std"/>
-              </a:rPr>
-              <a:t>create a text file </a:t>
-            </a:r>
-            <a:endParaRPr lang="en-US" dirty="0">
-              <a:latin typeface="Calibri"/>
-              <a:cs typeface="Calibri"/>
-            </a:endParaRPr>
-          </a:p>
-          <a:p>
-            <a:pPr lvl="1" indent="-457200">
-              <a:buFont typeface="Arial" panose="020B0604020202020204" pitchFamily="34" charset="0"/>
-              <a:buChar char="•"/>
-            </a:pPr>
-            <a:r>
-              <a:rPr lang="en-US" sz="2800" dirty="0">
-                <a:latin typeface="Trade Gothic LT Std"/>
-              </a:rPr>
-              <a:t>print directory</a:t>
-            </a:r>
-            <a:endParaRPr dirty="0">
-              <a:cs typeface="Calibri"/>
-            </a:endParaRPr>
-          </a:p>
-          <a:p>
-            <a:pPr marL="285750" indent="-285750">
-              <a:lnSpc>
-                <a:spcPct val="100000"/>
-              </a:lnSpc>
-              <a:buFont typeface="Arial" panose="020B0604020202020204" pitchFamily="34" charset="0"/>
-              <a:buChar char="•"/>
-            </a:pPr>
-            <a:endParaRPr dirty="0">
-              <a:cs typeface="Calibri"/>
-            </a:endParaRPr>
-          </a:p>
-        </p:txBody>
-      </p:sp>
-    </p:spTree>
-  </p:cSld>
-  <p:clrMapOvr>
-    <a:masterClrMapping/>
-  </p:clrMapOvr>
-</p:sld>
-</file>
-
-<file path=ppt/slides/slide16.xml><?xml version="1.0" encoding="utf-8"?>
-<p:sld xmlns:a="http://schemas.openxmlformats.org/drawingml/2006/main" xmlns:r="http://schemas.openxmlformats.org/officeDocument/2006/relationships" xmlns:p="http://schemas.openxmlformats.org/presentationml/2006/main">
-  <p:cSld>
-    <p:spTree>
-      <p:nvGrpSpPr>
-        <p:cNvPr id="1" name=""/>
-        <p:cNvGrpSpPr/>
-        <p:nvPr/>
-      </p:nvGrpSpPr>
-      <p:grpSpPr>
-        <a:xfrm>
-          <a:off x="0" y="0"/>
-          <a:ext cx="0" cy="0"/>
-          <a:chOff x="0" y="0"/>
-          <a:chExt cx="0" cy="0"/>
-        </a:xfrm>
-      </p:grpSpPr>
-      <p:sp>
-        <p:nvSpPr>
-          <p:cNvPr id="146" name="CustomShape 1"/>
-          <p:cNvSpPr/>
-          <p:nvPr/>
-        </p:nvSpPr>
-        <p:spPr>
-          <a:xfrm>
-            <a:off x="457200" y="304920"/>
-            <a:ext cx="8228520" cy="1141920"/>
-          </a:xfrm>
-          <a:prstGeom prst="rect">
-            <a:avLst/>
-          </a:prstGeom>
-        </p:spPr>
-        <p:txBody>
-          <a:bodyPr lIns="90000" tIns="45000" rIns="90000" bIns="45000" anchor="b"/>
-          <a:lstStyle/>
-          <a:p>
-            <a:pPr>
-              <a:lnSpc>
-                <a:spcPct val="100000"/>
-              </a:lnSpc>
-            </a:pPr>
-            <a:r>
-              <a:rPr lang="en-US" sz="4400" b="1">
-                <a:latin typeface="Trade Gothic LT Std"/>
-              </a:rPr>
-              <a:t>M5 - Multi-Processing</a:t>
-            </a:r>
-            <a:endParaRPr lang="en-US">
-              <a:cs typeface="Calibri"/>
-            </a:endParaRPr>
-          </a:p>
-        </p:txBody>
-      </p:sp>
-      <p:sp>
-        <p:nvSpPr>
-          <p:cNvPr id="147" name="CustomShape 2"/>
-          <p:cNvSpPr/>
-          <p:nvPr/>
-        </p:nvSpPr>
-        <p:spPr>
-          <a:xfrm>
-            <a:off x="457200" y="1600200"/>
-            <a:ext cx="8228520" cy="4524840"/>
-          </a:xfrm>
-          <a:prstGeom prst="rect">
-            <a:avLst/>
-          </a:prstGeom>
-        </p:spPr>
-        <p:txBody>
-          <a:bodyPr lIns="90000" tIns="45000" rIns="90000" bIns="45000" anchor="t"/>
-          <a:lstStyle/>
-          <a:p>
-            <a:pPr marL="457200" indent="-457200">
-              <a:buFont typeface="Arial" panose="020B0604020202020204" pitchFamily="34" charset="0"/>
-              <a:buChar char="•"/>
-            </a:pPr>
-            <a:r>
-              <a:rPr lang="en-US" sz="2800" dirty="0">
-                <a:latin typeface="Trade Gothic LT Std"/>
-              </a:rPr>
-              <a:t>Assembly functions provided: </a:t>
-            </a:r>
-          </a:p>
-          <a:p>
-            <a:pPr marL="914400" lvl="1" indent="-457200">
-              <a:buFont typeface="Arial" panose="020B0604020202020204" pitchFamily="34" charset="0"/>
-              <a:buChar char="•"/>
-            </a:pPr>
-            <a:r>
-              <a:rPr lang="en-US" sz="2800" dirty="0">
-                <a:latin typeface="Trade Gothic LT Std"/>
-              </a:rPr>
-              <a:t>initialize system timer, </a:t>
-            </a:r>
-          </a:p>
-          <a:p>
-            <a:pPr marL="914400" lvl="1" indent="-457200">
-              <a:buFont typeface="Arial" panose="020B0604020202020204" pitchFamily="34" charset="0"/>
-              <a:buChar char="•"/>
-            </a:pPr>
-            <a:r>
-              <a:rPr lang="en-US" sz="2800" dirty="0">
-                <a:latin typeface="Trade Gothic LT Std"/>
-              </a:rPr>
-              <a:t>receive timer interrupts, </a:t>
-            </a:r>
-          </a:p>
-          <a:p>
-            <a:pPr marL="914400" lvl="1" indent="-457200">
-              <a:buFont typeface="Arial" panose="020B0604020202020204" pitchFamily="34" charset="0"/>
-              <a:buChar char="•"/>
-            </a:pPr>
-            <a:r>
-              <a:rPr lang="en-US" sz="2800" dirty="0">
-                <a:latin typeface="Trade Gothic LT Std"/>
-              </a:rPr>
-              <a:t>call user routine, </a:t>
-            </a:r>
-          </a:p>
-          <a:p>
-            <a:pPr marL="914400" lvl="1" indent="-457200">
-              <a:buFont typeface="Arial" panose="020B0604020202020204" pitchFamily="34" charset="0"/>
-              <a:buChar char="•"/>
-            </a:pPr>
-            <a:r>
-              <a:rPr lang="en-US" sz="2800" dirty="0">
-                <a:latin typeface="Trade Gothic LT Std"/>
-              </a:rPr>
-              <a:t>set up stack</a:t>
-            </a:r>
-            <a:endParaRPr sz="2800">
-              <a:cs typeface="Calibri"/>
-            </a:endParaRPr>
-          </a:p>
-          <a:p>
-            <a:pPr marL="457200" indent="-457200">
-              <a:lnSpc>
-                <a:spcPct val="100000"/>
-              </a:lnSpc>
-              <a:buFont typeface="Arial" panose="020B0604020202020204" pitchFamily="34" charset="0"/>
-              <a:buChar char="•"/>
-            </a:pPr>
-            <a:r>
-              <a:rPr lang="en-US" sz="2800" dirty="0">
-                <a:latin typeface="Trade Gothic LT Std"/>
-              </a:rPr>
-              <a:t>Students write round-robin scheduler, runs on timer interrupts</a:t>
-            </a:r>
-            <a:endParaRPr sz="2800">
-              <a:cs typeface="Calibri"/>
-            </a:endParaRPr>
-          </a:p>
-          <a:p>
-            <a:pPr marL="457200" indent="-457200">
-              <a:lnSpc>
-                <a:spcPct val="100000"/>
-              </a:lnSpc>
-              <a:buFont typeface="Arial" panose="020B0604020202020204" pitchFamily="34" charset="0"/>
-              <a:buChar char="•"/>
-            </a:pPr>
-            <a:r>
-              <a:rPr lang="en-US" sz="2800" dirty="0">
-                <a:latin typeface="Trade Gothic LT Std"/>
-              </a:rPr>
-              <a:t>Additional shell commands: execute as a background process, kill processes</a:t>
-            </a:r>
-            <a:endParaRPr lang="en-US" sz="2800" dirty="0">
-              <a:latin typeface="Trade Gothic LT Std"/>
-              <a:cs typeface="Calibri"/>
-            </a:endParaRPr>
-          </a:p>
-          <a:p>
-            <a:pPr marL="457200" indent="-457200">
-              <a:buFont typeface="Arial" panose="020B0604020202020204" pitchFamily="34" charset="0"/>
-              <a:buChar char="•"/>
-            </a:pPr>
-            <a:r>
-              <a:rPr lang="en-US" sz="2800">
-                <a:latin typeface="Trade Gothic LT Std"/>
-                <a:cs typeface="Calibri"/>
-              </a:rPr>
-              <a:t>Probably don't want to do all this in the final week</a:t>
-            </a:r>
-            <a:endParaRPr lang="en-US" sz="2800" dirty="0">
-              <a:latin typeface="Trade Gothic LT Std"/>
-              <a:cs typeface="Calibri"/>
-            </a:endParaRPr>
-          </a:p>
-          <a:p>
-            <a:pPr marL="285750" indent="-285750">
-              <a:buFont typeface="Arial" panose="020B0604020202020204" pitchFamily="34" charset="0"/>
-              <a:buChar char="•"/>
-            </a:pPr>
-            <a:endParaRPr lang="en-US" dirty="0">
-              <a:cs typeface="Calibri"/>
-            </a:endParaRPr>
-          </a:p>
-        </p:txBody>
-      </p:sp>
-    </p:spTree>
+    <p:extLst>
+      <p:ext uri="{BB962C8B-B14F-4D97-AF65-F5344CB8AC3E}">
+        <p14:creationId xmlns:p14="http://schemas.microsoft.com/office/powerpoint/2010/main" val="95446378"/>
+      </p:ext>
+    </p:extLst>
   </p:cSld>
   <p:clrMapOvr>
     <a:masterClrMapping/>
@@ -5458,129 +4063,86 @@
       </p:grpSpPr>
       <p:sp>
         <p:nvSpPr>
-          <p:cNvPr id="114" name="CustomShape 1"/>
-          <p:cNvSpPr/>
-          <p:nvPr/>
-        </p:nvSpPr>
-        <p:spPr>
-          <a:xfrm>
-            <a:off x="457200" y="304920"/>
-            <a:ext cx="8228520" cy="1141920"/>
-          </a:xfrm>
-          <a:prstGeom prst="rect">
-            <a:avLst/>
-          </a:prstGeom>
-        </p:spPr>
-        <p:txBody>
-          <a:bodyPr lIns="90000" tIns="45000" rIns="90000" bIns="45000" anchor="b"/>
-          <a:lstStyle/>
-          <a:p>
-            <a:pPr>
-              <a:lnSpc>
-                <a:spcPct val="100000"/>
-              </a:lnSpc>
-            </a:pPr>
-            <a:r>
-              <a:rPr lang="en-US" sz="4400" b="1" dirty="0">
-                <a:latin typeface="Calibri"/>
-              </a:rPr>
-              <a:t>Building an OS from scratch</a:t>
-            </a:r>
-            <a:endParaRPr lang="en-US" dirty="0">
-              <a:cs typeface="Calibri"/>
-            </a:endParaRPr>
-          </a:p>
-        </p:txBody>
-      </p:sp>
-      <p:sp>
-        <p:nvSpPr>
-          <p:cNvPr id="115" name="CustomShape 2"/>
-          <p:cNvSpPr/>
-          <p:nvPr/>
-        </p:nvSpPr>
-        <p:spPr>
-          <a:xfrm>
-            <a:off x="457200" y="1600200"/>
-            <a:ext cx="8228520" cy="4524840"/>
-          </a:xfrm>
-          <a:prstGeom prst="rect">
-            <a:avLst/>
-          </a:prstGeom>
-        </p:spPr>
-        <p:txBody>
-          <a:bodyPr lIns="90000" tIns="45000" rIns="90000" bIns="45000" anchor="t"/>
-          <a:lstStyle/>
-          <a:p>
-            <a:pPr marL="457200" indent="-457200">
-              <a:buFont typeface="Arial" panose="020B0604020202020204" pitchFamily="34" charset="0"/>
-              <a:buChar char="•"/>
-            </a:pPr>
-            <a:r>
-              <a:rPr lang="en-US" sz="3200" dirty="0">
-                <a:latin typeface="Constantia"/>
-              </a:rPr>
-              <a:t>5 week project for an introductory OS course</a:t>
-            </a:r>
-            <a:endParaRPr lang="en-US" dirty="0">
-              <a:cs typeface="Calibri"/>
-            </a:endParaRPr>
-          </a:p>
-          <a:p>
-            <a:pPr>
-              <a:lnSpc>
-                <a:spcPct val="100000"/>
-              </a:lnSpc>
-            </a:pPr>
-            <a:endParaRPr dirty="0">
-              <a:cs typeface="Calibri"/>
-            </a:endParaRPr>
-          </a:p>
-          <a:p>
-            <a:pPr marL="457200" indent="-457200">
-              <a:lnSpc>
-                <a:spcPct val="100000"/>
-              </a:lnSpc>
-              <a:buFont typeface="Arial" panose="020B0604020202020204" pitchFamily="34" charset="0"/>
-              <a:buChar char="•"/>
-            </a:pPr>
-            <a:r>
-              <a:rPr lang="en-US" sz="3200" dirty="0">
-                <a:latin typeface="Constantia"/>
-              </a:rPr>
-              <a:t>Designed by Michael Black at American University</a:t>
-            </a:r>
-          </a:p>
-          <a:p>
-            <a:pPr>
-              <a:lnSpc>
-                <a:spcPct val="100000"/>
-              </a:lnSpc>
-            </a:pPr>
-            <a:endParaRPr dirty="0">
-              <a:cs typeface="Calibri"/>
-            </a:endParaRPr>
-          </a:p>
-          <a:p>
-            <a:pPr marL="457200" indent="-457200">
-              <a:lnSpc>
-                <a:spcPct val="100000"/>
-              </a:lnSpc>
-              <a:buFont typeface="Arial" panose="020B0604020202020204" pitchFamily="34" charset="0"/>
-              <a:buChar char="•"/>
-            </a:pPr>
-            <a:r>
-              <a:rPr lang="en-US" sz="3200" u="sng" dirty="0">
-                <a:latin typeface="Constantia"/>
-              </a:rPr>
-              <a:t>http://www.michaeldblack.org</a:t>
-            </a:r>
-            <a:endParaRPr dirty="0">
-              <a:cs typeface="Calibri"/>
-            </a:endParaRPr>
+          <p:cNvPr id="2" name="Title 1">
+            <a:extLst>
+              <a:ext uri="{FF2B5EF4-FFF2-40B4-BE49-F238E27FC236}">
+                <a16:creationId xmlns:a16="http://schemas.microsoft.com/office/drawing/2014/main" id="{EE8042DF-2C69-4E02-AB3A-D639D89441F1}"/>
+              </a:ext>
+            </a:extLst>
+          </p:cNvPr>
+          <p:cNvSpPr>
+            <a:spLocks noGrp="1"/>
+          </p:cNvSpPr>
+          <p:nvPr>
+            <p:ph type="title"/>
+          </p:nvPr>
+        </p:nvSpPr>
+        <p:spPr/>
+        <p:txBody>
+          <a:bodyPr/>
+          <a:lstStyle/>
+          <a:p>
+            <a:r>
+              <a:rPr lang="en-US" dirty="0"/>
+              <a:t>Changes from the usual project</a:t>
+            </a:r>
+          </a:p>
+        </p:txBody>
+      </p:sp>
+      <p:sp>
+        <p:nvSpPr>
+          <p:cNvPr id="3" name="Content Placeholder 2">
+            <a:extLst>
+              <a:ext uri="{FF2B5EF4-FFF2-40B4-BE49-F238E27FC236}">
+                <a16:creationId xmlns:a16="http://schemas.microsoft.com/office/drawing/2014/main" id="{7E865AAF-259A-4A75-8EFA-5D46C1855D9C}"/>
+              </a:ext>
+            </a:extLst>
+          </p:cNvPr>
+          <p:cNvSpPr>
+            <a:spLocks noGrp="1"/>
+          </p:cNvSpPr>
+          <p:nvPr>
+            <p:ph idx="1"/>
+          </p:nvPr>
+        </p:nvSpPr>
+        <p:spPr/>
+        <p:txBody>
+          <a:bodyPr/>
+          <a:lstStyle/>
+          <a:p>
+            <a:r>
+              <a:rPr lang="en-US" dirty="0"/>
+              <a:t>BMOS milestones are considered Advanced Labs (but be aware you must do them in order)</a:t>
+            </a:r>
+          </a:p>
+          <a:p>
+            <a:r>
+              <a:rPr lang="en-US" dirty="0"/>
+              <a:t>You can do the project individually or with a group member of your choice (please only have 1 person submit on Moodle, but include a </a:t>
+            </a:r>
+            <a:r>
+              <a:rPr lang="en-US" dirty="0" err="1"/>
+              <a:t>textfile</a:t>
+            </a:r>
+            <a:r>
+              <a:rPr lang="en-US" dirty="0"/>
+              <a:t> that tells the TA who the other is)</a:t>
+            </a:r>
+          </a:p>
+          <a:p>
+            <a:r>
+              <a:rPr lang="en-US" dirty="0"/>
+              <a:t>You aren’t required to create a Git repo (though of course you can) – you’ll submit via Moodle</a:t>
+            </a:r>
           </a:p>
         </p:txBody>
       </p:sp>
     </p:spTree>
+    <p:extLst>
+      <p:ext uri="{BB962C8B-B14F-4D97-AF65-F5344CB8AC3E}">
+        <p14:creationId xmlns:p14="http://schemas.microsoft.com/office/powerpoint/2010/main" val="2988616387"/>
+      </p:ext>
+    </p:extLst>
   </p:cSld>
   <p:clrMapOvr>
     <a:masterClrMapping/>
@@ -5610,7 +4172,7 @@
           <p:cNvPr id="2" name="Title 1">
             <a:extLst>
               <a:ext uri="{FF2B5EF4-FFF2-40B4-BE49-F238E27FC236}">
-                <a16:creationId xmlns:a16="http://schemas.microsoft.com/office/drawing/2014/main" id="{2FA7AE7D-A1FC-456D-9A50-1C20FA2C9C0F}"/>
+                <a16:creationId xmlns:a16="http://schemas.microsoft.com/office/drawing/2014/main" id="{B8D09BC1-5CBD-4CD0-A535-794B4BB89961}"/>
               </a:ext>
             </a:extLst>
           </p:cNvPr>
@@ -5627,12 +4189,9 @@
           <a:lstStyle/>
           <a:p>
             <a:r>
-              <a:rPr lang="en-US" dirty="0">
-                <a:cs typeface="Calibri Light"/>
-              </a:rPr>
-              <a:t>We need to form teams &amp; make project repos</a:t>
-            </a:r>
-            <a:endParaRPr lang="en-US" dirty="0"/>
+              <a:rPr lang="en-US" dirty="0"/>
+              <a:t>Advice for virtual collaboration</a:t>
+            </a:r>
           </a:p>
         </p:txBody>
       </p:sp>
@@ -5641,7 +4200,7 @@
           <p:cNvPr id="3" name="Content Placeholder 2">
             <a:extLst>
               <a:ext uri="{FF2B5EF4-FFF2-40B4-BE49-F238E27FC236}">
-                <a16:creationId xmlns:a16="http://schemas.microsoft.com/office/drawing/2014/main" id="{28657C0B-A438-4B46-8C9B-CE8B39D133B1}"/>
+                <a16:creationId xmlns:a16="http://schemas.microsoft.com/office/drawing/2014/main" id="{A8F67AAE-ACD3-46E8-9575-3D5916DD59EF}"/>
               </a:ext>
             </a:extLst>
           </p:cNvPr>
@@ -5654,74 +4213,75 @@
         </p:nvSpPr>
         <p:spPr/>
         <p:txBody>
-          <a:bodyPr vert="horz" lIns="91440" tIns="45720" rIns="91440" bIns="45720" rtlCol="0" anchor="t">
+          <a:bodyPr>
             <a:normAutofit/>
           </a:bodyPr>
           <a:lstStyle/>
           <a:p>
+            <a:pPr marL="0" indent="0">
+              <a:buNone/>
+            </a:pPr>
+            <a:r>
+              <a:rPr lang="en-US" dirty="0"/>
+              <a:t>You can use repl.  Fork this repo:</a:t>
+            </a:r>
+          </a:p>
+          <a:p>
+            <a:pPr marL="0" indent="0">
+              <a:buNone/>
+            </a:pPr>
             <a:r>
               <a:rPr lang="en-US" dirty="0">
-                <a:cs typeface="Calibri"/>
+                <a:hlinkClick r:id="rId2"/>
               </a:rPr>
-              <a:t>I'm going to ask you to form teams right here in class</a:t>
-            </a:r>
-          </a:p>
-          <a:p>
-            <a:r>
-              <a:rPr lang="en-US">
-                <a:cs typeface="Calibri"/>
-              </a:rPr>
-              <a:t>All teams must be 2-3...I recommend 2 </a:t>
-            </a:r>
-          </a:p>
-          <a:p>
-            <a:r>
-              <a:rPr lang="en-US">
-                <a:cs typeface="Calibri"/>
-              </a:rPr>
-              <a:t>No working alone, no 4 </a:t>
-            </a:r>
-            <a:r>
-              <a:rPr lang="en-US" dirty="0">
-                <a:cs typeface="Calibri"/>
-              </a:rPr>
-              <a:t>person teams, no cross-</a:t>
-            </a:r>
-            <a:r>
-              <a:rPr lang="en-US">
-                <a:cs typeface="Calibri"/>
-              </a:rPr>
-              <a:t>section teams</a:t>
-            </a:r>
-            <a:endParaRPr lang="en-US"/>
-          </a:p>
-          <a:p>
-            <a:r>
-              <a:rPr lang="en-US" dirty="0">
-                <a:cs typeface="Calibri"/>
-              </a:rPr>
-              <a:t>Form your teams and enter your members on the google doc linked from the schedule page</a:t>
-            </a:r>
-          </a:p>
-          <a:p>
-            <a:r>
-              <a:rPr lang="en-US" dirty="0">
-                <a:cs typeface="Calibri"/>
-              </a:rPr>
-              <a:t>Then construct/test a git repo following the instructions on the schedule page</a:t>
-            </a:r>
-          </a:p>
-          <a:p>
-            <a:endParaRPr lang="en-US" dirty="0">
-              <a:cs typeface="Calibri"/>
-            </a:endParaRPr>
+              <a:t>https://repl.it/@hewner/QEMU-Replit</a:t>
+            </a:r>
+            <a:endParaRPr lang="en-US" dirty="0"/>
+          </a:p>
+          <a:p>
+            <a:pPr marL="0" indent="0">
+              <a:buNone/>
+            </a:pPr>
+            <a:r>
+              <a:rPr lang="en-US" dirty="0"/>
+              <a:t>…but please delete it after the term if you don’t create a private repo</a:t>
+            </a:r>
+          </a:p>
+          <a:p>
+            <a:pPr marL="0" indent="0">
+              <a:buNone/>
+            </a:pPr>
+            <a:endParaRPr lang="en-US" dirty="0"/>
+          </a:p>
+          <a:p>
+            <a:pPr marL="0" indent="0">
+              <a:buNone/>
+            </a:pPr>
+            <a:r>
+              <a:rPr lang="en-US" dirty="0"/>
+              <a:t>You can use any screenshare tool (MS Teams allows partner to take control, though that may be a little </a:t>
+            </a:r>
+            <a:r>
+              <a:rPr lang="en-US" dirty="0" err="1"/>
+              <a:t>laggy</a:t>
+            </a:r>
+            <a:r>
+              <a:rPr lang="en-US" dirty="0"/>
+              <a:t>).  You can also commit to a git repo and switch off.</a:t>
+            </a:r>
+          </a:p>
+          <a:p>
+            <a:pPr marL="0" indent="0">
+              <a:buNone/>
+            </a:pPr>
+            <a:endParaRPr lang="en-US" dirty="0"/>
           </a:p>
         </p:txBody>
       </p:sp>
     </p:spTree>
     <p:extLst>
       <p:ext uri="{BB962C8B-B14F-4D97-AF65-F5344CB8AC3E}">
-        <p14:creationId xmlns:p14="http://schemas.microsoft.com/office/powerpoint/2010/main" val="3733853829"/>
+        <p14:creationId xmlns:p14="http://schemas.microsoft.com/office/powerpoint/2010/main" val="2917832995"/>
       </p:ext>
     </p:extLst>
   </p:cSld>
@@ -5750,7 +4310,7 @@
       </p:grpSpPr>
       <p:sp>
         <p:nvSpPr>
-          <p:cNvPr id="119" name="CustomShape 1"/>
+          <p:cNvPr id="114" name="CustomShape 1"/>
           <p:cNvSpPr/>
           <p:nvPr/>
         </p:nvSpPr>
@@ -5774,10 +4334,9 @@
             </a:pPr>
             <a:r>
               <a:rPr lang="en-US" sz="4400" b="1" dirty="0">
-                <a:latin typeface="Arial"/>
-                <a:ea typeface="ＭＳ Ｐゴシック"/>
+                <a:latin typeface="Calibri"/>
               </a:rPr>
-              <a:t>Bare metal system</a:t>
+              <a:t>Building an OS from scratch</a:t>
             </a:r>
             <a:endParaRPr lang="en-US" dirty="0">
               <a:cs typeface="Calibri"/>
@@ -5787,7 +4346,7 @@
       </p:sp>
       <p:sp>
         <p:nvSpPr>
-          <p:cNvPr id="120" name="CustomShape 2"/>
+          <p:cNvPr id="115" name="CustomShape 2"/>
           <p:cNvSpPr/>
           <p:nvPr/>
         </p:nvSpPr>
@@ -5805,9 +4364,6 @@
           <a:lstStyle/>
           <a:p>
             <a:pPr marL="457200" indent="-457200">
-              <a:lnSpc>
-                <a:spcPct val="100000"/>
-              </a:lnSpc>
               <a:buFont typeface="Arial" panose="020B0604020202020204" pitchFamily="34" charset="0"/>
               <a:buChar char="•"/>
             </a:pPr>
@@ -5815,8 +4371,11 @@
               <a:rPr lang="en-US" sz="3200" dirty="0">
                 <a:latin typeface="Constantia"/>
               </a:rPr>
-              <a:t>No simulator</a:t>
-            </a:r>
+              <a:t>5 week project for an introductory OS course</a:t>
+            </a:r>
+            <a:endParaRPr lang="en-US" dirty="0">
+              <a:cs typeface="Calibri"/>
+            </a:endParaRPr>
           </a:p>
           <a:p>
             <a:pPr>
@@ -5840,7 +4399,7 @@
               <a:rPr lang="en-US" sz="3200" dirty="0">
                 <a:latin typeface="Constantia"/>
               </a:rPr>
-              <a:t>No underlying system</a:t>
+              <a:t>Designed by Michael Black at American University</a:t>
             </a:r>
           </a:p>
           <a:p>
@@ -5862,31 +4421,11 @@
               <a:buChar char="•"/>
             </a:pPr>
             <a:r>
-              <a:rPr lang="en-US" sz="3200" dirty="0">
+              <a:rPr lang="en-US" sz="3200" u="sng" dirty="0">
                 <a:latin typeface="Constantia"/>
               </a:rPr>
-              <a:t>No prewritten code</a:t>
-            </a:r>
-            <a:endParaRPr dirty="0">
-              <a:cs typeface="Calibri"/>
-            </a:endParaRPr>
-          </a:p>
-          <a:p>
-            <a:pPr>
-              <a:lnSpc>
-                <a:spcPct val="100000"/>
-              </a:lnSpc>
-            </a:pPr>
-            <a:endParaRPr dirty="0">
-              <a:cs typeface="Calibri"/>
-            </a:endParaRPr>
-          </a:p>
-          <a:p>
-            <a:pPr>
-              <a:lnSpc>
-                <a:spcPct val="100000"/>
-              </a:lnSpc>
-            </a:pPr>
+              <a:t>http://www.michaeldblack.org</a:t>
+            </a:r>
             <a:endParaRPr dirty="0">
               <a:cs typeface="Calibri"/>
             </a:endParaRPr>
@@ -5920,7 +4459,7 @@
       </p:grpSpPr>
       <p:sp>
         <p:nvSpPr>
-          <p:cNvPr id="127" name="CustomShape 1"/>
+          <p:cNvPr id="119" name="CustomShape 1"/>
           <p:cNvSpPr/>
           <p:nvPr/>
         </p:nvSpPr>
@@ -5944,11 +4483,12 @@
             </a:pPr>
             <a:r>
               <a:rPr lang="en-US" sz="4400" b="1" dirty="0">
-                <a:latin typeface="Trade Gothic LT Std"/>
+                <a:latin typeface="Arial"/>
+                <a:ea typeface="ＭＳ Ｐゴシック"/>
               </a:rPr>
-              <a:t>Key Characteristics</a:t>
-            </a:r>
-            <a:endParaRPr lang="en-US">
+              <a:t>Bare metal system</a:t>
+            </a:r>
+            <a:endParaRPr lang="en-US" dirty="0">
               <a:cs typeface="Calibri"/>
             </a:endParaRPr>
           </a:p>
@@ -5956,7 +4496,7 @@
       </p:sp>
       <p:sp>
         <p:nvSpPr>
-          <p:cNvPr id="128" name="CustomShape 2"/>
+          <p:cNvPr id="120" name="CustomShape 2"/>
           <p:cNvSpPr/>
           <p:nvPr/>
         </p:nvSpPr>
@@ -5982,28 +4522,17 @@
             </a:pPr>
             <a:r>
               <a:rPr lang="en-US" sz="3200" dirty="0">
-                <a:latin typeface="Trade Gothic LT Std"/>
+                <a:latin typeface="Constantia"/>
               </a:rPr>
-              <a:t>Be bare metal:</a:t>
-            </a:r>
-            <a:endParaRPr lang="en-US">
-              <a:cs typeface="Calibri"/>
-            </a:endParaRPr>
-          </a:p>
-          <a:p>
-            <a:pPr marL="914400" lvl="1" indent="-457200">
-              <a:buFont typeface="Arial" panose="020B0604020202020204" pitchFamily="34" charset="0"/>
-              <a:buChar char="•"/>
-            </a:pPr>
-            <a:r>
-              <a:rPr lang="en-US" sz="2800" dirty="0">
-                <a:latin typeface="Trade Gothic LT Std"/>
-              </a:rPr>
-              <a:t>boot loading, disk drivers, console drivers</a:t>
-            </a:r>
-          </a:p>
-          <a:p>
-            <a:pPr lvl="1"/>
+              <a:t>No simulator</a:t>
+            </a:r>
+          </a:p>
+          <a:p>
+            <a:pPr>
+              <a:lnSpc>
+                <a:spcPct val="100000"/>
+              </a:lnSpc>
+            </a:pPr>
             <a:endParaRPr dirty="0">
               <a:cs typeface="Calibri"/>
             </a:endParaRPr>
@@ -6018,43 +4547,17 @@
             </a:pPr>
             <a:r>
               <a:rPr lang="en-US" sz="3200" dirty="0">
-                <a:latin typeface="Trade Gothic LT Std"/>
+                <a:latin typeface="Constantia"/>
               </a:rPr>
-              <a:t>Be "real":</a:t>
-            </a:r>
-            <a:endParaRPr lang="en-US">
-              <a:cs typeface="Calibri"/>
-            </a:endParaRPr>
-          </a:p>
-          <a:p>
-            <a:pPr marL="914400" lvl="1" indent="-457200">
-              <a:buFont typeface="Arial" panose="020B0604020202020204" pitchFamily="34" charset="0"/>
-              <a:buChar char="•"/>
-            </a:pPr>
-            <a:r>
-              <a:rPr lang="en-US" sz="2800" dirty="0">
-                <a:latin typeface="Trade Gothic LT Std"/>
-              </a:rPr>
-              <a:t>program execution, interrupts, processes</a:t>
-            </a:r>
-            <a:endParaRPr lang="en-US">
-              <a:cs typeface="Calibri"/>
-            </a:endParaRPr>
-          </a:p>
-          <a:p>
-            <a:pPr marL="914400" lvl="1" indent="-457200">
-              <a:buFont typeface="Arial" panose="020B0604020202020204" pitchFamily="34" charset="0"/>
-              <a:buChar char="•"/>
-            </a:pPr>
-            <a:r>
-              <a:rPr lang="en-US" sz="2800" dirty="0">
-                <a:latin typeface="Trade Gothic LT Std"/>
-              </a:rPr>
-              <a:t>file system, shell</a:t>
-            </a:r>
-          </a:p>
-          <a:p>
-            <a:pPr lvl="1"/>
+              <a:t>No underlying system</a:t>
+            </a:r>
+          </a:p>
+          <a:p>
+            <a:pPr>
+              <a:lnSpc>
+                <a:spcPct val="100000"/>
+              </a:lnSpc>
+            </a:pPr>
             <a:endParaRPr dirty="0">
               <a:cs typeface="Calibri"/>
             </a:endParaRPr>
@@ -6069,25 +4572,20 @@
             </a:pPr>
             <a:r>
               <a:rPr lang="en-US" sz="3200" dirty="0">
-                <a:latin typeface="Trade Gothic LT Std"/>
+                <a:latin typeface="Constantia"/>
               </a:rPr>
-              <a:t>Would be nice:</a:t>
-            </a:r>
-            <a:endParaRPr lang="en-US">
+              <a:t>No prewritten code</a:t>
+            </a:r>
+            <a:endParaRPr dirty="0">
               <a:cs typeface="Calibri"/>
             </a:endParaRPr>
           </a:p>
           <a:p>
-            <a:pPr marL="914400" lvl="1" indent="-457200">
-              <a:buFont typeface="Arial" panose="020B0604020202020204" pitchFamily="34" charset="0"/>
-              <a:buChar char="•"/>
-            </a:pPr>
-            <a:r>
-              <a:rPr lang="en-US" sz="2800" dirty="0">
-                <a:latin typeface="Trade Gothic LT Std"/>
-              </a:rPr>
-              <a:t>GUI, virtual memory</a:t>
-            </a:r>
+            <a:pPr>
+              <a:lnSpc>
+                <a:spcPct val="100000"/>
+              </a:lnSpc>
+            </a:pPr>
             <a:endParaRPr dirty="0">
               <a:cs typeface="Calibri"/>
             </a:endParaRPr>
@@ -6131,7 +4629,7 @@
       </p:grpSpPr>
       <p:sp>
         <p:nvSpPr>
-          <p:cNvPr id="129" name="CustomShape 1"/>
+          <p:cNvPr id="127" name="CustomShape 1"/>
           <p:cNvSpPr/>
           <p:nvPr/>
         </p:nvSpPr>
@@ -6157,9 +4655,9 @@
               <a:rPr lang="en-US" sz="4400" b="1" dirty="0">
                 <a:latin typeface="Trade Gothic LT Std"/>
               </a:rPr>
-              <a:t>Finished OS Characteristics</a:t>
-            </a:r>
-            <a:endParaRPr lang="en-US" dirty="0">
+              <a:t>Key Characteristics</a:t>
+            </a:r>
+            <a:endParaRPr lang="en-US">
               <a:cs typeface="Calibri"/>
             </a:endParaRPr>
           </a:p>
@@ -6167,7 +4665,7 @@
       </p:sp>
       <p:sp>
         <p:nvSpPr>
-          <p:cNvPr id="130" name="CustomShape 2"/>
+          <p:cNvPr id="128" name="CustomShape 2"/>
           <p:cNvSpPr/>
           <p:nvPr/>
         </p:nvSpPr>
@@ -6195,15 +4693,26 @@
               <a:rPr lang="en-US" sz="3200" dirty="0">
                 <a:latin typeface="Trade Gothic LT Std"/>
               </a:rPr>
-              <a:t>Has all functionality of older OS like CP/M</a:t>
-            </a:r>
-          </a:p>
-          <a:p>
-            <a:pPr>
-              <a:lnSpc>
-                <a:spcPct val="100000"/>
-              </a:lnSpc>
-            </a:pPr>
+              <a:t>Be bare metal:</a:t>
+            </a:r>
+            <a:endParaRPr lang="en-US" dirty="0">
+              <a:cs typeface="Calibri"/>
+            </a:endParaRPr>
+          </a:p>
+          <a:p>
+            <a:pPr marL="914400" lvl="1" indent="-457200">
+              <a:buFont typeface="Arial" panose="020B0604020202020204" pitchFamily="34" charset="0"/>
+              <a:buChar char="•"/>
+            </a:pPr>
+            <a:r>
+              <a:rPr lang="en-US" sz="2800" dirty="0">
+                <a:latin typeface="Trade Gothic LT Std"/>
+              </a:rPr>
+              <a:t>boot loading, disk drivers, console drivers</a:t>
+            </a:r>
+          </a:p>
+          <a:p>
+            <a:pPr lvl="1"/>
             <a:endParaRPr dirty="0">
               <a:cs typeface="Calibri"/>
             </a:endParaRPr>
@@ -6220,34 +4729,9 @@
               <a:rPr lang="en-US" sz="3200" dirty="0">
                 <a:latin typeface="Trade Gothic LT Std"/>
               </a:rPr>
-              <a:t>Can execute a program from a file</a:t>
-            </a:r>
-          </a:p>
-          <a:p>
-            <a:pPr>
-              <a:lnSpc>
-                <a:spcPct val="100000"/>
-              </a:lnSpc>
-            </a:pPr>
-            <a:endParaRPr dirty="0">
-              <a:cs typeface="Calibri"/>
-            </a:endParaRPr>
-          </a:p>
-          <a:p>
-            <a:pPr marL="457200" indent="-457200">
-              <a:lnSpc>
-                <a:spcPct val="100000"/>
-              </a:lnSpc>
-              <a:buFont typeface="Arial" panose="020B0604020202020204" pitchFamily="34" charset="0"/>
-              <a:buChar char="•"/>
-            </a:pPr>
-            <a:r>
-              <a:rPr lang="en-US" sz="3200" dirty="0">
-                <a:latin typeface="Trade Gothic LT Std"/>
-              </a:rPr>
-              <a:t>Command-line shell with necessary commands:</a:t>
-            </a:r>
-            <a:endParaRPr lang="en-US">
+              <a:t>Be "real":</a:t>
+            </a:r>
+            <a:endParaRPr lang="en-US" dirty="0">
               <a:cs typeface="Calibri"/>
             </a:endParaRPr>
           </a:p>
@@ -6260,42 +4744,23 @@
               <a:rPr lang="en-US" sz="2800" dirty="0">
                 <a:latin typeface="Trade Gothic LT Std"/>
               </a:rPr>
-              <a:t>Directory listing, type, copy, delete, execute</a:t>
-            </a:r>
-          </a:p>
-          <a:p>
-            <a:pPr lvl="1"/>
-            <a:endParaRPr dirty="0">
+              <a:t>program execution, interrupts, processes</a:t>
+            </a:r>
+            <a:endParaRPr lang="en-US" dirty="0">
               <a:cs typeface="Calibri"/>
             </a:endParaRPr>
           </a:p>
           <a:p>
-            <a:pPr marL="457200" indent="-457200">
-              <a:lnSpc>
-                <a:spcPct val="100000"/>
-              </a:lnSpc>
+            <a:pPr marL="914400" lvl="1" indent="-457200">
               <a:buFont typeface="Arial" panose="020B0604020202020204" pitchFamily="34" charset="0"/>
               <a:buChar char="•"/>
             </a:pPr>
             <a:r>
-              <a:rPr lang="en-US" sz="3200" dirty="0">
+              <a:rPr lang="en-US" sz="2800" dirty="0">
                 <a:latin typeface="Trade Gothic LT Std"/>
               </a:rPr>
-              <a:t>Multiprocessing and basic memory management</a:t>
-            </a:r>
-            <a:endParaRPr dirty="0">
-              <a:cs typeface="Calibri"/>
-            </a:endParaRPr>
-          </a:p>
-          <a:p>
-            <a:pPr>
-              <a:lnSpc>
-                <a:spcPct val="100000"/>
-              </a:lnSpc>
-            </a:pPr>
-            <a:endParaRPr dirty="0">
-              <a:cs typeface="Calibri"/>
-            </a:endParaRPr>
+              <a:t>file system, shell</a:t>
+            </a:r>
           </a:p>
         </p:txBody>
       </p:sp>
@@ -6326,7 +4791,7 @@
       </p:grpSpPr>
       <p:sp>
         <p:nvSpPr>
-          <p:cNvPr id="131" name="CustomShape 1"/>
+          <p:cNvPr id="129" name="CustomShape 1"/>
           <p:cNvSpPr/>
           <p:nvPr/>
         </p:nvSpPr>
@@ -6352,7 +4817,7 @@
               <a:rPr lang="en-US" sz="4400" b="1" dirty="0">
                 <a:latin typeface="Trade Gothic LT Std"/>
               </a:rPr>
-              <a:t>Goals</a:t>
+              <a:t>Finished OS Characteristics</a:t>
             </a:r>
             <a:endParaRPr lang="en-US" dirty="0">
               <a:cs typeface="Calibri"/>
@@ -6362,7 +4827,7 @@
       </p:sp>
       <p:sp>
         <p:nvSpPr>
-          <p:cNvPr id="132" name="CustomShape 2"/>
+          <p:cNvPr id="130" name="CustomShape 2"/>
           <p:cNvSpPr/>
           <p:nvPr/>
         </p:nvSpPr>
@@ -6387,10 +4852,10 @@
               <a:buChar char="•"/>
             </a:pPr>
             <a:r>
-              <a:rPr lang="en-US" sz="2800" dirty="0">
+              <a:rPr lang="en-US" sz="3200" dirty="0">
                 <a:latin typeface="Trade Gothic LT Std"/>
               </a:rPr>
-              <a:t>Minimize total lines of code</a:t>
+              <a:t>Has all functionality of older OS like CP/M</a:t>
             </a:r>
           </a:p>
           <a:p>
@@ -6399,7 +4864,7 @@
                 <a:spcPct val="100000"/>
               </a:lnSpc>
             </a:pPr>
-            <a:endParaRPr sz="1600" dirty="0">
+            <a:endParaRPr dirty="0">
               <a:cs typeface="Calibri"/>
             </a:endParaRPr>
           </a:p>
@@ -6412,30 +4877,19 @@
               <a:buChar char="•"/>
             </a:pPr>
             <a:r>
-              <a:rPr lang="en-US" sz="2800" dirty="0">
+              <a:rPr lang="en-US" sz="3200" dirty="0">
                 <a:latin typeface="Trade Gothic LT Std"/>
               </a:rPr>
-              <a:t>Minimal pre-written assembly code</a:t>
-            </a:r>
-            <a:endParaRPr lang="en-US" sz="2800">
-              <a:cs typeface="Calibri"/>
-            </a:endParaRPr>
-          </a:p>
-          <a:p>
-            <a:pPr marL="914400" lvl="1" indent="-457200">
-              <a:buFont typeface="Arial" panose="020B0604020202020204" pitchFamily="34" charset="0"/>
-              <a:buChar char="•"/>
-            </a:pPr>
-            <a:r>
-              <a:rPr lang="en-US" sz="2400" dirty="0">
-                <a:latin typeface="Trade Gothic LT Std"/>
-              </a:rPr>
-              <a:t>Students write own kernel and all C functions</a:t>
-            </a:r>
-          </a:p>
-          <a:p>
-            <a:pPr lvl="1"/>
-            <a:endParaRPr sz="1600" dirty="0">
+              <a:t>Can execute a program from a file</a:t>
+            </a:r>
+          </a:p>
+          <a:p>
+            <a:pPr>
+              <a:lnSpc>
+                <a:spcPct val="100000"/>
+              </a:lnSpc>
+            </a:pPr>
+            <a:endParaRPr dirty="0">
               <a:cs typeface="Calibri"/>
             </a:endParaRPr>
           </a:p>
@@ -6448,19 +4902,30 @@
               <a:buChar char="•"/>
             </a:pPr>
             <a:r>
+              <a:rPr lang="en-US" sz="3200" dirty="0">
+                <a:latin typeface="Trade Gothic LT Std"/>
+              </a:rPr>
+              <a:t>Command-line shell with necessary commands:</a:t>
+            </a:r>
+            <a:endParaRPr lang="en-US" dirty="0">
+              <a:cs typeface="Calibri"/>
+            </a:endParaRPr>
+          </a:p>
+          <a:p>
+            <a:pPr marL="914400" lvl="1" indent="-457200">
+              <a:buFont typeface="Arial" panose="020B0604020202020204" pitchFamily="34" charset="0"/>
+              <a:buChar char="•"/>
+            </a:pPr>
+            <a:r>
               <a:rPr lang="en-US" sz="2800" dirty="0">
                 <a:latin typeface="Trade Gothic LT Std"/>
               </a:rPr>
-              <a:t>3 components - bootloader, kernel, shell</a:t>
-            </a:r>
-          </a:p>
-          <a:p>
-            <a:pPr>
-              <a:lnSpc>
-                <a:spcPct val="100000"/>
-              </a:lnSpc>
-            </a:pPr>
-            <a:endParaRPr sz="1600" dirty="0">
+              <a:t>Directory listing, type, copy, execute</a:t>
+            </a:r>
+          </a:p>
+          <a:p>
+            <a:pPr lvl="1"/>
+            <a:endParaRPr dirty="0">
               <a:cs typeface="Calibri"/>
             </a:endParaRPr>
           </a:p>
@@ -6473,23 +4938,14 @@
               <a:buChar char="•"/>
             </a:pPr>
             <a:r>
-              <a:rPr lang="en-US" sz="2800" dirty="0">
+              <a:rPr lang="en-US" sz="3200" dirty="0">
                 <a:latin typeface="Trade Gothic LT Std"/>
               </a:rPr>
-              <a:t>Run on </a:t>
-            </a:r>
-            <a:r>
-              <a:rPr lang="en-US" sz="2800" b="1" dirty="0" err="1">
-                <a:latin typeface="Trade Gothic LT Std"/>
-              </a:rPr>
-              <a:t>Qemu</a:t>
-            </a:r>
-            <a:r>
-              <a:rPr lang="en-US" sz="2800" dirty="0">
-                <a:latin typeface="Trade Gothic LT Std"/>
-              </a:rPr>
-              <a:t> simulator to develop and debug, also bootable from floppy disk</a:t>
-            </a:r>
+              <a:t>Multiprocessing and basic memory management</a:t>
+            </a:r>
+            <a:endParaRPr dirty="0">
+              <a:cs typeface="Calibri"/>
+            </a:endParaRPr>
           </a:p>
           <a:p>
             <a:pPr>
@@ -6497,44 +4953,7 @@
                 <a:spcPct val="100000"/>
               </a:lnSpc>
             </a:pPr>
-            <a:endParaRPr lang="en-US" sz="2800" dirty="0">
-              <a:latin typeface="Trade Gothic LT Std"/>
-            </a:endParaRPr>
-          </a:p>
-          <a:p>
-            <a:pPr marL="457200" indent="-457200">
-              <a:buFont typeface="Arial" panose="020B0604020202020204" pitchFamily="34" charset="0"/>
-              <a:buChar char="•"/>
-            </a:pPr>
-            <a:r>
-              <a:rPr lang="en-US" sz="2800" dirty="0">
-                <a:latin typeface="Trade Gothic LT Std"/>
-              </a:rPr>
-              <a:t> </a:t>
-            </a:r>
-            <a:r>
-              <a:rPr lang="en-US" sz="2800" b="1" err="1">
-                <a:latin typeface="Trade Gothic LT Std"/>
-              </a:rPr>
-              <a:t>Qemu</a:t>
-            </a:r>
-            <a:r>
-              <a:rPr lang="en-US" sz="2800" dirty="0">
-                <a:latin typeface="Trade Gothic LT Std"/>
-              </a:rPr>
-              <a:t> is an x86 hardware platform simulator</a:t>
-            </a:r>
-            <a:endParaRPr sz="2800" dirty="0">
-              <a:cs typeface="Calibri"/>
-            </a:endParaRPr>
-          </a:p>
-          <a:p>
-            <a:pPr>
-              <a:lnSpc>
-                <a:spcPct val="100000"/>
-              </a:lnSpc>
-            </a:pPr>
-            <a:endParaRPr sz="1600" dirty="0">
+            <a:endParaRPr dirty="0">
               <a:cs typeface="Calibri"/>
             </a:endParaRPr>
           </a:p>
@@ -6549,6 +4968,247 @@
 </file>
 
 <file path=ppt/slides/slide8.xml><?xml version="1.0" encoding="utf-8"?>
+<p:sld xmlns:a="http://schemas.openxmlformats.org/drawingml/2006/main" xmlns:r="http://schemas.openxmlformats.org/officeDocument/2006/relationships" xmlns:p="http://schemas.openxmlformats.org/presentationml/2006/main">
+  <p:cSld>
+    <p:spTree>
+      <p:nvGrpSpPr>
+        <p:cNvPr id="1" name=""/>
+        <p:cNvGrpSpPr/>
+        <p:nvPr/>
+      </p:nvGrpSpPr>
+      <p:grpSpPr>
+        <a:xfrm>
+          <a:off x="0" y="0"/>
+          <a:ext cx="0" cy="0"/>
+          <a:chOff x="0" y="0"/>
+          <a:chExt cx="0" cy="0"/>
+        </a:xfrm>
+      </p:grpSpPr>
+      <p:sp>
+        <p:nvSpPr>
+          <p:cNvPr id="131" name="CustomShape 1"/>
+          <p:cNvSpPr/>
+          <p:nvPr/>
+        </p:nvSpPr>
+        <p:spPr>
+          <a:xfrm>
+            <a:off x="457200" y="304920"/>
+            <a:ext cx="8228520" cy="1141920"/>
+          </a:xfrm>
+          <a:prstGeom prst="rect">
+            <a:avLst/>
+          </a:prstGeom>
+        </p:spPr>
+        <p:txBody>
+          <a:bodyPr lIns="90000" tIns="45000" rIns="90000" bIns="45000" anchor="b"/>
+          <a:lstStyle/>
+          <a:p>
+            <a:pPr>
+              <a:lnSpc>
+                <a:spcPct val="100000"/>
+              </a:lnSpc>
+            </a:pPr>
+            <a:r>
+              <a:rPr lang="en-US" sz="4400" b="1" dirty="0">
+                <a:latin typeface="Trade Gothic LT Std"/>
+              </a:rPr>
+              <a:t>Goals</a:t>
+            </a:r>
+            <a:endParaRPr lang="en-US" dirty="0">
+              <a:cs typeface="Calibri"/>
+            </a:endParaRPr>
+          </a:p>
+        </p:txBody>
+      </p:sp>
+      <p:sp>
+        <p:nvSpPr>
+          <p:cNvPr id="132" name="CustomShape 2"/>
+          <p:cNvSpPr/>
+          <p:nvPr/>
+        </p:nvSpPr>
+        <p:spPr>
+          <a:xfrm>
+            <a:off x="457200" y="1600200"/>
+            <a:ext cx="8228520" cy="4524840"/>
+          </a:xfrm>
+          <a:prstGeom prst="rect">
+            <a:avLst/>
+          </a:prstGeom>
+        </p:spPr>
+        <p:txBody>
+          <a:bodyPr lIns="90000" tIns="45000" rIns="90000" bIns="45000" anchor="t"/>
+          <a:lstStyle/>
+          <a:p>
+            <a:pPr marL="457200" indent="-457200">
+              <a:lnSpc>
+                <a:spcPct val="100000"/>
+              </a:lnSpc>
+              <a:buFont typeface="Arial" panose="020B0604020202020204" pitchFamily="34" charset="0"/>
+              <a:buChar char="•"/>
+            </a:pPr>
+            <a:r>
+              <a:rPr lang="en-US" sz="2800" dirty="0">
+                <a:latin typeface="Trade Gothic LT Std"/>
+              </a:rPr>
+              <a:t>Minimize total lines of code</a:t>
+            </a:r>
+          </a:p>
+          <a:p>
+            <a:pPr>
+              <a:lnSpc>
+                <a:spcPct val="100000"/>
+              </a:lnSpc>
+            </a:pPr>
+            <a:endParaRPr sz="1600" dirty="0">
+              <a:cs typeface="Calibri"/>
+            </a:endParaRPr>
+          </a:p>
+          <a:p>
+            <a:pPr marL="457200" indent="-457200">
+              <a:lnSpc>
+                <a:spcPct val="100000"/>
+              </a:lnSpc>
+              <a:buFont typeface="Arial" panose="020B0604020202020204" pitchFamily="34" charset="0"/>
+              <a:buChar char="•"/>
+            </a:pPr>
+            <a:r>
+              <a:rPr lang="en-US" sz="2800" dirty="0">
+                <a:latin typeface="Trade Gothic LT Std"/>
+              </a:rPr>
+              <a:t>Minimal pre-written assembly code</a:t>
+            </a:r>
+            <a:endParaRPr lang="en-US" sz="2800" dirty="0">
+              <a:cs typeface="Calibri"/>
+            </a:endParaRPr>
+          </a:p>
+          <a:p>
+            <a:pPr marL="914400" lvl="1" indent="-457200">
+              <a:buFont typeface="Arial" panose="020B0604020202020204" pitchFamily="34" charset="0"/>
+              <a:buChar char="•"/>
+            </a:pPr>
+            <a:r>
+              <a:rPr lang="en-US" sz="2400" dirty="0">
+                <a:latin typeface="Trade Gothic LT Std"/>
+              </a:rPr>
+              <a:t>Students write own kernel and all C functions</a:t>
+            </a:r>
+          </a:p>
+          <a:p>
+            <a:pPr lvl="1"/>
+            <a:endParaRPr sz="1600" dirty="0">
+              <a:cs typeface="Calibri"/>
+            </a:endParaRPr>
+          </a:p>
+          <a:p>
+            <a:pPr marL="457200" indent="-457200">
+              <a:lnSpc>
+                <a:spcPct val="100000"/>
+              </a:lnSpc>
+              <a:buFont typeface="Arial" panose="020B0604020202020204" pitchFamily="34" charset="0"/>
+              <a:buChar char="•"/>
+            </a:pPr>
+            <a:r>
+              <a:rPr lang="en-US" sz="2800" dirty="0">
+                <a:latin typeface="Trade Gothic LT Std"/>
+              </a:rPr>
+              <a:t>3 components - bootloader, kernel, shell</a:t>
+            </a:r>
+          </a:p>
+          <a:p>
+            <a:pPr>
+              <a:lnSpc>
+                <a:spcPct val="100000"/>
+              </a:lnSpc>
+            </a:pPr>
+            <a:endParaRPr sz="1600" dirty="0">
+              <a:cs typeface="Calibri"/>
+            </a:endParaRPr>
+          </a:p>
+          <a:p>
+            <a:pPr marL="457200" indent="-457200">
+              <a:lnSpc>
+                <a:spcPct val="100000"/>
+              </a:lnSpc>
+              <a:buFont typeface="Arial" panose="020B0604020202020204" pitchFamily="34" charset="0"/>
+              <a:buChar char="•"/>
+            </a:pPr>
+            <a:r>
+              <a:rPr lang="en-US" sz="2800" dirty="0">
+                <a:latin typeface="Trade Gothic LT Std"/>
+              </a:rPr>
+              <a:t>Run on </a:t>
+            </a:r>
+            <a:r>
+              <a:rPr lang="en-US" sz="2800" b="1" dirty="0" err="1">
+                <a:latin typeface="Trade Gothic LT Std"/>
+              </a:rPr>
+              <a:t>Qemu</a:t>
+            </a:r>
+            <a:r>
+              <a:rPr lang="en-US" sz="2800" dirty="0">
+                <a:latin typeface="Trade Gothic LT Std"/>
+              </a:rPr>
+              <a:t> simulator to develop and debug</a:t>
+            </a:r>
+          </a:p>
+          <a:p>
+            <a:pPr>
+              <a:lnSpc>
+                <a:spcPct val="100000"/>
+              </a:lnSpc>
+            </a:pPr>
+            <a:endParaRPr lang="en-US" sz="2800" dirty="0">
+              <a:latin typeface="Trade Gothic LT Std"/>
+            </a:endParaRPr>
+          </a:p>
+          <a:p>
+            <a:pPr marL="457200" indent="-457200">
+              <a:buFont typeface="Arial" panose="020B0604020202020204" pitchFamily="34" charset="0"/>
+              <a:buChar char="•"/>
+            </a:pPr>
+            <a:r>
+              <a:rPr lang="en-US" sz="2800" dirty="0">
+                <a:latin typeface="Trade Gothic LT Std"/>
+              </a:rPr>
+              <a:t> </a:t>
+            </a:r>
+            <a:r>
+              <a:rPr lang="en-US" sz="2800" b="1" dirty="0" err="1">
+                <a:latin typeface="Trade Gothic LT Std"/>
+              </a:rPr>
+              <a:t>Qemu</a:t>
+            </a:r>
+            <a:r>
+              <a:rPr lang="en-US" sz="2800" dirty="0">
+                <a:latin typeface="Trade Gothic LT Std"/>
+              </a:rPr>
+              <a:t> is an x86 hardware platform simulator</a:t>
+            </a:r>
+            <a:endParaRPr sz="2800" dirty="0">
+              <a:cs typeface="Calibri"/>
+            </a:endParaRPr>
+          </a:p>
+          <a:p>
+            <a:pPr>
+              <a:lnSpc>
+                <a:spcPct val="100000"/>
+              </a:lnSpc>
+            </a:pPr>
+            <a:endParaRPr sz="1600" dirty="0">
+              <a:cs typeface="Calibri"/>
+            </a:endParaRPr>
+          </a:p>
+        </p:txBody>
+      </p:sp>
+    </p:spTree>
+  </p:cSld>
+  <p:clrMapOvr>
+    <a:masterClrMapping/>
+  </p:clrMapOvr>
+</p:sld>
+</file>
+
+<file path=ppt/slides/slide9.xml><?xml version="1.0" encoding="utf-8"?>
 <p:sld xmlns:a="http://schemas.openxmlformats.org/drawingml/2006/main" xmlns:r="http://schemas.openxmlformats.org/officeDocument/2006/relationships" xmlns:p="http://schemas.openxmlformats.org/presentationml/2006/main">
   <p:cSld>
     <p:spTree>
@@ -6619,160 +5279,6 @@
       </p:par>
     </p:tnLst>
   </p:timing>
-</p:sld>
-</file>
-
-<file path=ppt/slides/slide9.xml><?xml version="1.0" encoding="utf-8"?>
-<p:sld xmlns:a="http://schemas.openxmlformats.org/drawingml/2006/main" xmlns:r="http://schemas.openxmlformats.org/officeDocument/2006/relationships" xmlns:p="http://schemas.openxmlformats.org/presentationml/2006/main">
-  <p:cSld>
-    <p:spTree>
-      <p:nvGrpSpPr>
-        <p:cNvPr id="1" name=""/>
-        <p:cNvGrpSpPr/>
-        <p:nvPr/>
-      </p:nvGrpSpPr>
-      <p:grpSpPr>
-        <a:xfrm>
-          <a:off x="0" y="0"/>
-          <a:ext cx="0" cy="0"/>
-          <a:chOff x="0" y="0"/>
-          <a:chExt cx="0" cy="0"/>
-        </a:xfrm>
-      </p:grpSpPr>
-      <p:sp>
-        <p:nvSpPr>
-          <p:cNvPr id="134" name="CustomShape 1"/>
-          <p:cNvSpPr/>
-          <p:nvPr/>
-        </p:nvSpPr>
-        <p:spPr>
-          <a:xfrm>
-            <a:off x="457200" y="304920"/>
-            <a:ext cx="8228520" cy="1141920"/>
-          </a:xfrm>
-          <a:prstGeom prst="rect">
-            <a:avLst/>
-          </a:prstGeom>
-        </p:spPr>
-        <p:txBody>
-          <a:bodyPr lIns="90000" tIns="45000" rIns="90000" bIns="45000" anchor="b"/>
-          <a:lstStyle/>
-          <a:p>
-            <a:pPr>
-              <a:lnSpc>
-                <a:spcPct val="100000"/>
-              </a:lnSpc>
-            </a:pPr>
-            <a:r>
-              <a:rPr lang="en-US" sz="4400" b="1" dirty="0">
-                <a:latin typeface="Trade Gothic LT Std"/>
-              </a:rPr>
-              <a:t>Skills needed</a:t>
-            </a:r>
-            <a:endParaRPr lang="en-US" dirty="0">
-              <a:cs typeface="Calibri"/>
-            </a:endParaRPr>
-          </a:p>
-        </p:txBody>
-      </p:sp>
-      <p:sp>
-        <p:nvSpPr>
-          <p:cNvPr id="135" name="CustomShape 2"/>
-          <p:cNvSpPr/>
-          <p:nvPr/>
-        </p:nvSpPr>
-        <p:spPr>
-          <a:xfrm>
-            <a:off x="457200" y="1600200"/>
-            <a:ext cx="8228520" cy="4524840"/>
-          </a:xfrm>
-          <a:prstGeom prst="rect">
-            <a:avLst/>
-          </a:prstGeom>
-        </p:spPr>
-        <p:txBody>
-          <a:bodyPr lIns="90000" tIns="45000" rIns="90000" bIns="45000" anchor="t"/>
-          <a:lstStyle/>
-          <a:p>
-            <a:pPr marL="457200" indent="-457200">
-              <a:lnSpc>
-                <a:spcPct val="100000"/>
-              </a:lnSpc>
-              <a:buFont typeface="Arial" panose="020B0604020202020204" pitchFamily="34" charset="0"/>
-              <a:buChar char="•"/>
-            </a:pPr>
-            <a:r>
-              <a:rPr lang="en-US" sz="3200" dirty="0">
-                <a:latin typeface="Trade Gothic LT Std"/>
-              </a:rPr>
-              <a:t>Skills that you need to complete the project</a:t>
-            </a:r>
-            <a:endParaRPr lang="en-US">
-              <a:cs typeface="Calibri"/>
-            </a:endParaRPr>
-          </a:p>
-          <a:p>
-            <a:pPr marL="914400" lvl="1" indent="-457200">
-              <a:buFont typeface="Arial" panose="020B0604020202020204" pitchFamily="34" charset="0"/>
-              <a:buChar char="•"/>
-            </a:pPr>
-            <a:r>
-              <a:rPr lang="en-US" sz="2800" dirty="0">
-                <a:latin typeface="Trade Gothic LT Std"/>
-              </a:rPr>
-              <a:t>x86 Segmentation</a:t>
-            </a:r>
-            <a:endParaRPr lang="en-US">
-              <a:cs typeface="Calibri"/>
-            </a:endParaRPr>
-          </a:p>
-          <a:p>
-            <a:pPr marL="914400" lvl="1" indent="-457200">
-              <a:buFont typeface="Arial" panose="020B0604020202020204" pitchFamily="34" charset="0"/>
-              <a:buChar char="•"/>
-            </a:pPr>
-            <a:r>
-              <a:rPr lang="en-US" sz="2800" dirty="0">
-                <a:latin typeface="Trade Gothic LT Std"/>
-              </a:rPr>
-              <a:t>UNIX Commands</a:t>
-            </a:r>
-            <a:endParaRPr lang="en-US">
-              <a:cs typeface="Calibri"/>
-            </a:endParaRPr>
-          </a:p>
-          <a:p>
-            <a:pPr marL="914400" lvl="1" indent="-457200">
-              <a:buFont typeface="Arial" panose="020B0604020202020204" pitchFamily="34" charset="0"/>
-              <a:buChar char="•"/>
-            </a:pPr>
-            <a:r>
-              <a:rPr lang="en-US" sz="2800" dirty="0">
-                <a:latin typeface="Trade Gothic LT Std"/>
-              </a:rPr>
-              <a:t>C Programming Language Basics</a:t>
-            </a:r>
-            <a:endParaRPr dirty="0">
-              <a:cs typeface="Calibri"/>
-            </a:endParaRPr>
-          </a:p>
-          <a:p>
-            <a:pPr>
-              <a:lnSpc>
-                <a:spcPct val="100000"/>
-              </a:lnSpc>
-            </a:pPr>
-            <a:endParaRPr dirty="0">
-              <a:cs typeface="Calibri"/>
-            </a:endParaRPr>
-          </a:p>
-        </p:txBody>
-      </p:sp>
-    </p:spTree>
-  </p:cSld>
-  <p:clrMapOvr>
-    <a:masterClrMapping/>
-  </p:clrMapOvr>
 </p:sld>
 </file>
 
